--- a/Documentation/QuickToolsScript_Schema.pptx
+++ b/Documentation/QuickToolsScript_Schema.pptx
@@ -7,7 +7,8 @@
   <p:sldIdLst>
     <p:sldId id="256" r:id="rId2"/>
     <p:sldId id="257" r:id="rId3"/>
-    <p:sldId id="258" r:id="rId4"/>
+    <p:sldId id="259" r:id="rId4"/>
+    <p:sldId id="258" r:id="rId5"/>
   </p:sldIdLst>
   <p:sldSz cx="9144000" cy="6858000" type="screen4x3"/>
   <p:notesSz cx="9144000" cy="6858000"/>
@@ -3703,7 +3704,6 @@
               <a:rPr lang="en-US" sz="1400" dirty="0" smtClean="0"/>
               <a:t>Menu Select Option</a:t>
             </a:r>
-            <a:endParaRPr lang="en-US" sz="1400" dirty="0" smtClean="0"/>
           </a:p>
         </p:txBody>
       </p:sp>
@@ -5586,6 +5586,122 @@
           </a:fontRef>
         </p:style>
       </p:cxnSp>
+      <p:sp>
+        <p:nvSpPr>
+          <p:cNvPr id="5" name="4 CuadroTexto"/>
+          <p:cNvSpPr txBox="1"/>
+          <p:nvPr/>
+        </p:nvSpPr>
+        <p:spPr>
+          <a:xfrm>
+            <a:off x="762000" y="4941332"/>
+            <a:ext cx="1320529" cy="369332"/>
+          </a:xfrm>
+          <a:prstGeom prst="rect">
+            <a:avLst/>
+          </a:prstGeom>
+          <a:noFill/>
+          <a:ln>
+            <a:solidFill>
+              <a:schemeClr val="tx1"/>
+            </a:solidFill>
+          </a:ln>
+        </p:spPr>
+        <p:txBody>
+          <a:bodyPr wrap="square" rtlCol="0">
+            <a:spAutoFit/>
+          </a:bodyPr>
+          <a:lstStyle/>
+          <a:p>
+            <a:pPr algn="ctr"/>
+            <a:r>
+              <a:rPr lang="en-US" dirty="0"/>
+              <a:t>Phase</a:t>
+            </a:r>
+            <a:r>
+              <a:rPr lang="en-US" dirty="0" smtClean="0"/>
+              <a:t> A</a:t>
+            </a:r>
+            <a:endParaRPr lang="en-US" dirty="0"/>
+          </a:p>
+        </p:txBody>
+      </p:sp>
+      <p:sp>
+        <p:nvSpPr>
+          <p:cNvPr id="36" name="35 CuadroTexto"/>
+          <p:cNvSpPr txBox="1"/>
+          <p:nvPr/>
+        </p:nvSpPr>
+        <p:spPr>
+          <a:xfrm>
+            <a:off x="4026035" y="1951395"/>
+            <a:ext cx="1320529" cy="369332"/>
+          </a:xfrm>
+          <a:prstGeom prst="rect">
+            <a:avLst/>
+          </a:prstGeom>
+          <a:noFill/>
+          <a:ln>
+            <a:solidFill>
+              <a:schemeClr val="tx1">
+                <a:lumMod val="95000"/>
+              </a:schemeClr>
+            </a:solidFill>
+          </a:ln>
+        </p:spPr>
+        <p:txBody>
+          <a:bodyPr wrap="square" rtlCol="0">
+            <a:spAutoFit/>
+          </a:bodyPr>
+          <a:lstStyle/>
+          <a:p>
+            <a:pPr algn="ctr"/>
+            <a:r>
+              <a:rPr lang="en-US" dirty="0" smtClean="0"/>
+              <a:t>Phase B</a:t>
+            </a:r>
+            <a:endParaRPr lang="en-US" dirty="0"/>
+          </a:p>
+        </p:txBody>
+      </p:sp>
+      <p:sp>
+        <p:nvSpPr>
+          <p:cNvPr id="37" name="36 CuadroTexto"/>
+          <p:cNvSpPr txBox="1"/>
+          <p:nvPr/>
+        </p:nvSpPr>
+        <p:spPr>
+          <a:xfrm>
+            <a:off x="6890021" y="276397"/>
+            <a:ext cx="1320529" cy="369332"/>
+          </a:xfrm>
+          <a:prstGeom prst="rect">
+            <a:avLst/>
+          </a:prstGeom>
+          <a:noFill/>
+          <a:ln>
+            <a:solidFill>
+              <a:schemeClr val="tx1">
+                <a:lumMod val="95000"/>
+              </a:schemeClr>
+            </a:solidFill>
+          </a:ln>
+        </p:spPr>
+        <p:txBody>
+          <a:bodyPr wrap="square" rtlCol="0">
+            <a:spAutoFit/>
+          </a:bodyPr>
+          <a:lstStyle/>
+          <a:p>
+            <a:pPr algn="ctr"/>
+            <a:r>
+              <a:rPr lang="en-US" dirty="0" smtClean="0"/>
+              <a:t>Phase C</a:t>
+            </a:r>
+            <a:endParaRPr lang="en-US" dirty="0"/>
+          </a:p>
+        </p:txBody>
+      </p:sp>
     </p:spTree>
     <p:extLst>
       <p:ext uri="{BB962C8B-B14F-4D97-AF65-F5344CB8AC3E}">
@@ -5607,6 +5723,87 @@
 </file>
 
 <file path=ppt/slides/slide3.xml><?xml version="1.0" encoding="utf-8"?>
+<p:sld xmlns:a="http://schemas.openxmlformats.org/drawingml/2006/main" xmlns:r="http://schemas.openxmlformats.org/officeDocument/2006/relationships" xmlns:p="http://schemas.openxmlformats.org/presentationml/2006/main">
+  <p:cSld>
+    <p:spTree>
+      <p:nvGrpSpPr>
+        <p:cNvPr id="1" name=""/>
+        <p:cNvGrpSpPr/>
+        <p:nvPr/>
+      </p:nvGrpSpPr>
+      <p:grpSpPr>
+        <a:xfrm>
+          <a:off x="0" y="0"/>
+          <a:ext cx="0" cy="0"/>
+          <a:chOff x="0" y="0"/>
+          <a:chExt cx="0" cy="0"/>
+        </a:xfrm>
+      </p:grpSpPr>
+      <p:sp>
+        <p:nvSpPr>
+          <p:cNvPr id="4" name="3 Elipse"/>
+          <p:cNvSpPr/>
+          <p:nvPr/>
+        </p:nvSpPr>
+        <p:spPr>
+          <a:xfrm>
+            <a:off x="228600" y="152400"/>
+            <a:ext cx="762000" cy="457200"/>
+          </a:xfrm>
+          <a:prstGeom prst="ellipse">
+            <a:avLst/>
+          </a:prstGeom>
+        </p:spPr>
+        <p:style>
+          <a:lnRef idx="2">
+            <a:schemeClr val="accent1">
+              <a:shade val="50000"/>
+            </a:schemeClr>
+          </a:lnRef>
+          <a:fillRef idx="1">
+            <a:schemeClr val="accent1"/>
+          </a:fillRef>
+          <a:effectRef idx="0">
+            <a:schemeClr val="accent1"/>
+          </a:effectRef>
+          <a:fontRef idx="minor">
+            <a:schemeClr val="lt1"/>
+          </a:fontRef>
+        </p:style>
+        <p:txBody>
+          <a:bodyPr rtlCol="0" anchor="ctr"/>
+          <a:lstStyle/>
+          <a:p>
+            <a:pPr algn="ctr"/>
+            <a:r>
+              <a:rPr lang="en-US" sz="1200" dirty="0" smtClean="0"/>
+              <a:t>start</a:t>
+            </a:r>
+            <a:endParaRPr lang="en-US" sz="1200" dirty="0"/>
+          </a:p>
+        </p:txBody>
+      </p:sp>
+    </p:spTree>
+    <p:extLst>
+      <p:ext uri="{BB962C8B-B14F-4D97-AF65-F5344CB8AC3E}">
+        <p14:creationId xmlns:p14="http://schemas.microsoft.com/office/powerpoint/2010/main" val="2316059204"/>
+      </p:ext>
+    </p:extLst>
+  </p:cSld>
+  <p:clrMapOvr>
+    <a:masterClrMapping/>
+  </p:clrMapOvr>
+  <p:timing>
+    <p:tnLst>
+      <p:par>
+        <p:cTn id="1" dur="indefinite" restart="never" nodeType="tmRoot"/>
+      </p:par>
+    </p:tnLst>
+  </p:timing>
+</p:sld>
+</file>
+
+<file path=ppt/slides/slide4.xml><?xml version="1.0" encoding="utf-8"?>
 <p:sld xmlns:a="http://schemas.openxmlformats.org/drawingml/2006/main" xmlns:r="http://schemas.openxmlformats.org/officeDocument/2006/relationships" xmlns:p="http://schemas.openxmlformats.org/presentationml/2006/main">
   <p:cSld>
     <p:spTree>

--- a/Documentation/QuickToolsScript_Schema.pptx
+++ b/Documentation/QuickToolsScript_Schema.pptx
@@ -4,11 +4,16 @@
   <p:sldMasterIdLst>
     <p:sldMasterId id="2147483660" r:id="rId1"/>
   </p:sldMasterIdLst>
+  <p:notesMasterIdLst>
+    <p:notesMasterId r:id="rId8"/>
+  </p:notesMasterIdLst>
   <p:sldIdLst>
     <p:sldId id="256" r:id="rId2"/>
     <p:sldId id="257" r:id="rId3"/>
     <p:sldId id="259" r:id="rId4"/>
-    <p:sldId id="258" r:id="rId5"/>
+    <p:sldId id="260" r:id="rId5"/>
+    <p:sldId id="261" r:id="rId6"/>
+    <p:sldId id="258" r:id="rId7"/>
   </p:sldIdLst>
   <p:sldSz cx="9144000" cy="6858000" type="screen4x3"/>
   <p:notesSz cx="9144000" cy="6858000"/>
@@ -108,6 +113,524 @@
     </a:lvl9pPr>
   </p:defaultTextStyle>
 </p:presentation>
+</file>
+
+<file path=ppt/notesMasters/notesMaster1.xml><?xml version="1.0" encoding="utf-8"?>
+<p:notesMaster xmlns:a="http://schemas.openxmlformats.org/drawingml/2006/main" xmlns:r="http://schemas.openxmlformats.org/officeDocument/2006/relationships" xmlns:p="http://schemas.openxmlformats.org/presentationml/2006/main">
+  <p:cSld>
+    <p:bg>
+      <p:bgRef idx="1001">
+        <a:schemeClr val="bg1"/>
+      </p:bgRef>
+    </p:bg>
+    <p:spTree>
+      <p:nvGrpSpPr>
+        <p:cNvPr id="1" name=""/>
+        <p:cNvGrpSpPr/>
+        <p:nvPr/>
+      </p:nvGrpSpPr>
+      <p:grpSpPr>
+        <a:xfrm>
+          <a:off x="0" y="0"/>
+          <a:ext cx="0" cy="0"/>
+          <a:chOff x="0" y="0"/>
+          <a:chExt cx="0" cy="0"/>
+        </a:xfrm>
+      </p:grpSpPr>
+      <p:sp>
+        <p:nvSpPr>
+          <p:cNvPr id="2" name="1 Marcador de encabezado"/>
+          <p:cNvSpPr>
+            <a:spLocks noGrp="1"/>
+          </p:cNvSpPr>
+          <p:nvPr>
+            <p:ph type="hdr" sz="quarter"/>
+          </p:nvPr>
+        </p:nvSpPr>
+        <p:spPr>
+          <a:xfrm>
+            <a:off x="0" y="0"/>
+            <a:ext cx="3962400" cy="342900"/>
+          </a:xfrm>
+          <a:prstGeom prst="rect">
+            <a:avLst/>
+          </a:prstGeom>
+        </p:spPr>
+        <p:txBody>
+          <a:bodyPr vert="horz" lIns="91440" tIns="45720" rIns="91440" bIns="45720" rtlCol="0"/>
+          <a:lstStyle>
+            <a:lvl1pPr algn="l">
+              <a:defRPr sz="1200"/>
+            </a:lvl1pPr>
+          </a:lstStyle>
+          <a:p>
+            <a:endParaRPr lang="en-US"/>
+          </a:p>
+        </p:txBody>
+      </p:sp>
+      <p:sp>
+        <p:nvSpPr>
+          <p:cNvPr id="3" name="2 Marcador de fecha"/>
+          <p:cNvSpPr>
+            <a:spLocks noGrp="1"/>
+          </p:cNvSpPr>
+          <p:nvPr>
+            <p:ph type="dt" idx="1"/>
+          </p:nvPr>
+        </p:nvSpPr>
+        <p:spPr>
+          <a:xfrm>
+            <a:off x="5180013" y="0"/>
+            <a:ext cx="3962400" cy="342900"/>
+          </a:xfrm>
+          <a:prstGeom prst="rect">
+            <a:avLst/>
+          </a:prstGeom>
+        </p:spPr>
+        <p:txBody>
+          <a:bodyPr vert="horz" lIns="91440" tIns="45720" rIns="91440" bIns="45720" rtlCol="0"/>
+          <a:lstStyle>
+            <a:lvl1pPr algn="r">
+              <a:defRPr sz="1200"/>
+            </a:lvl1pPr>
+          </a:lstStyle>
+          <a:p>
+            <a:fld id="{B29A7A29-9418-4142-B98B-C9F719AFABA4}" type="datetimeFigureOut">
+              <a:rPr lang="en-US" smtClean="0"/>
+              <a:t>5/14/2023</a:t>
+            </a:fld>
+            <a:endParaRPr lang="en-US"/>
+          </a:p>
+        </p:txBody>
+      </p:sp>
+      <p:sp>
+        <p:nvSpPr>
+          <p:cNvPr id="4" name="3 Marcador de imagen de diapositiva"/>
+          <p:cNvSpPr>
+            <a:spLocks noGrp="1" noRot="1" noChangeAspect="1"/>
+          </p:cNvSpPr>
+          <p:nvPr>
+            <p:ph type="sldImg" idx="2"/>
+          </p:nvPr>
+        </p:nvSpPr>
+        <p:spPr>
+          <a:xfrm>
+            <a:off x="2857500" y="514350"/>
+            <a:ext cx="3429000" cy="2571750"/>
+          </a:xfrm>
+          <a:prstGeom prst="rect">
+            <a:avLst/>
+          </a:prstGeom>
+          <a:noFill/>
+          <a:ln w="12700">
+            <a:solidFill>
+              <a:prstClr val="black"/>
+            </a:solidFill>
+          </a:ln>
+        </p:spPr>
+        <p:txBody>
+          <a:bodyPr vert="horz" lIns="91440" tIns="45720" rIns="91440" bIns="45720" rtlCol="0" anchor="ctr"/>
+          <a:lstStyle/>
+          <a:p>
+            <a:endParaRPr lang="en-US"/>
+          </a:p>
+        </p:txBody>
+      </p:sp>
+      <p:sp>
+        <p:nvSpPr>
+          <p:cNvPr id="5" name="4 Marcador de notas"/>
+          <p:cNvSpPr>
+            <a:spLocks noGrp="1"/>
+          </p:cNvSpPr>
+          <p:nvPr>
+            <p:ph type="body" sz="quarter" idx="3"/>
+          </p:nvPr>
+        </p:nvSpPr>
+        <p:spPr>
+          <a:xfrm>
+            <a:off x="914400" y="3257550"/>
+            <a:ext cx="7315200" cy="3086100"/>
+          </a:xfrm>
+          <a:prstGeom prst="rect">
+            <a:avLst/>
+          </a:prstGeom>
+        </p:spPr>
+        <p:txBody>
+          <a:bodyPr vert="horz" lIns="91440" tIns="45720" rIns="91440" bIns="45720" rtlCol="0"/>
+          <a:lstStyle/>
+          <a:p>
+            <a:pPr lvl="0"/>
+            <a:r>
+              <a:rPr lang="es-ES" smtClean="0"/>
+              <a:t>Haga clic para modificar el estilo de texto del patrón</a:t>
+            </a:r>
+          </a:p>
+          <a:p>
+            <a:pPr lvl="1"/>
+            <a:r>
+              <a:rPr lang="es-ES" smtClean="0"/>
+              <a:t>Segundo nivel</a:t>
+            </a:r>
+          </a:p>
+          <a:p>
+            <a:pPr lvl="2"/>
+            <a:r>
+              <a:rPr lang="es-ES" smtClean="0"/>
+              <a:t>Tercer nivel</a:t>
+            </a:r>
+          </a:p>
+          <a:p>
+            <a:pPr lvl="3"/>
+            <a:r>
+              <a:rPr lang="es-ES" smtClean="0"/>
+              <a:t>Cuarto nivel</a:t>
+            </a:r>
+          </a:p>
+          <a:p>
+            <a:pPr lvl="4"/>
+            <a:r>
+              <a:rPr lang="es-ES" smtClean="0"/>
+              <a:t>Quinto nivel</a:t>
+            </a:r>
+            <a:endParaRPr lang="en-US"/>
+          </a:p>
+        </p:txBody>
+      </p:sp>
+      <p:sp>
+        <p:nvSpPr>
+          <p:cNvPr id="6" name="5 Marcador de pie de página"/>
+          <p:cNvSpPr>
+            <a:spLocks noGrp="1"/>
+          </p:cNvSpPr>
+          <p:nvPr>
+            <p:ph type="ftr" sz="quarter" idx="4"/>
+          </p:nvPr>
+        </p:nvSpPr>
+        <p:spPr>
+          <a:xfrm>
+            <a:off x="0" y="6513513"/>
+            <a:ext cx="3962400" cy="342900"/>
+          </a:xfrm>
+          <a:prstGeom prst="rect">
+            <a:avLst/>
+          </a:prstGeom>
+        </p:spPr>
+        <p:txBody>
+          <a:bodyPr vert="horz" lIns="91440" tIns="45720" rIns="91440" bIns="45720" rtlCol="0" anchor="b"/>
+          <a:lstStyle>
+            <a:lvl1pPr algn="l">
+              <a:defRPr sz="1200"/>
+            </a:lvl1pPr>
+          </a:lstStyle>
+          <a:p>
+            <a:endParaRPr lang="en-US"/>
+          </a:p>
+        </p:txBody>
+      </p:sp>
+      <p:sp>
+        <p:nvSpPr>
+          <p:cNvPr id="7" name="6 Marcador de número de diapositiva"/>
+          <p:cNvSpPr>
+            <a:spLocks noGrp="1"/>
+          </p:cNvSpPr>
+          <p:nvPr>
+            <p:ph type="sldNum" sz="quarter" idx="5"/>
+          </p:nvPr>
+        </p:nvSpPr>
+        <p:spPr>
+          <a:xfrm>
+            <a:off x="5180013" y="6513513"/>
+            <a:ext cx="3962400" cy="342900"/>
+          </a:xfrm>
+          <a:prstGeom prst="rect">
+            <a:avLst/>
+          </a:prstGeom>
+        </p:spPr>
+        <p:txBody>
+          <a:bodyPr vert="horz" lIns="91440" tIns="45720" rIns="91440" bIns="45720" rtlCol="0" anchor="b"/>
+          <a:lstStyle>
+            <a:lvl1pPr algn="r">
+              <a:defRPr sz="1200"/>
+            </a:lvl1pPr>
+          </a:lstStyle>
+          <a:p>
+            <a:fld id="{E076CD16-36F8-41E3-8B2D-7C5A076FB703}" type="slidenum">
+              <a:rPr lang="en-US" smtClean="0"/>
+              <a:t>‹Nº›</a:t>
+            </a:fld>
+            <a:endParaRPr lang="en-US"/>
+          </a:p>
+        </p:txBody>
+      </p:sp>
+    </p:spTree>
+    <p:extLst>
+      <p:ext uri="{BB962C8B-B14F-4D97-AF65-F5344CB8AC3E}">
+        <p14:creationId xmlns:p14="http://schemas.microsoft.com/office/powerpoint/2010/main" val="1394760640"/>
+      </p:ext>
+    </p:extLst>
+  </p:cSld>
+  <p:clrMap bg1="lt1" tx1="dk1" bg2="lt2" tx2="dk2" accent1="accent1" accent2="accent2" accent3="accent3" accent4="accent4" accent5="accent5" accent6="accent6" hlink="hlink" folHlink="folHlink"/>
+  <p:notesStyle>
+    <a:lvl1pPr marL="0" algn="l" defTabSz="914400" rtl="0" eaLnBrk="1" latinLnBrk="0" hangingPunct="1">
+      <a:defRPr sz="1200" kern="1200">
+        <a:solidFill>
+          <a:schemeClr val="tx1"/>
+        </a:solidFill>
+        <a:latin typeface="+mn-lt"/>
+        <a:ea typeface="+mn-ea"/>
+        <a:cs typeface="+mn-cs"/>
+      </a:defRPr>
+    </a:lvl1pPr>
+    <a:lvl2pPr marL="457200" algn="l" defTabSz="914400" rtl="0" eaLnBrk="1" latinLnBrk="0" hangingPunct="1">
+      <a:defRPr sz="1200" kern="1200">
+        <a:solidFill>
+          <a:schemeClr val="tx1"/>
+        </a:solidFill>
+        <a:latin typeface="+mn-lt"/>
+        <a:ea typeface="+mn-ea"/>
+        <a:cs typeface="+mn-cs"/>
+      </a:defRPr>
+    </a:lvl2pPr>
+    <a:lvl3pPr marL="914400" algn="l" defTabSz="914400" rtl="0" eaLnBrk="1" latinLnBrk="0" hangingPunct="1">
+      <a:defRPr sz="1200" kern="1200">
+        <a:solidFill>
+          <a:schemeClr val="tx1"/>
+        </a:solidFill>
+        <a:latin typeface="+mn-lt"/>
+        <a:ea typeface="+mn-ea"/>
+        <a:cs typeface="+mn-cs"/>
+      </a:defRPr>
+    </a:lvl3pPr>
+    <a:lvl4pPr marL="1371600" algn="l" defTabSz="914400" rtl="0" eaLnBrk="1" latinLnBrk="0" hangingPunct="1">
+      <a:defRPr sz="1200" kern="1200">
+        <a:solidFill>
+          <a:schemeClr val="tx1"/>
+        </a:solidFill>
+        <a:latin typeface="+mn-lt"/>
+        <a:ea typeface="+mn-ea"/>
+        <a:cs typeface="+mn-cs"/>
+      </a:defRPr>
+    </a:lvl4pPr>
+    <a:lvl5pPr marL="1828800" algn="l" defTabSz="914400" rtl="0" eaLnBrk="1" latinLnBrk="0" hangingPunct="1">
+      <a:defRPr sz="1200" kern="1200">
+        <a:solidFill>
+          <a:schemeClr val="tx1"/>
+        </a:solidFill>
+        <a:latin typeface="+mn-lt"/>
+        <a:ea typeface="+mn-ea"/>
+        <a:cs typeface="+mn-cs"/>
+      </a:defRPr>
+    </a:lvl5pPr>
+    <a:lvl6pPr marL="2286000" algn="l" defTabSz="914400" rtl="0" eaLnBrk="1" latinLnBrk="0" hangingPunct="1">
+      <a:defRPr sz="1200" kern="1200">
+        <a:solidFill>
+          <a:schemeClr val="tx1"/>
+        </a:solidFill>
+        <a:latin typeface="+mn-lt"/>
+        <a:ea typeface="+mn-ea"/>
+        <a:cs typeface="+mn-cs"/>
+      </a:defRPr>
+    </a:lvl6pPr>
+    <a:lvl7pPr marL="2743200" algn="l" defTabSz="914400" rtl="0" eaLnBrk="1" latinLnBrk="0" hangingPunct="1">
+      <a:defRPr sz="1200" kern="1200">
+        <a:solidFill>
+          <a:schemeClr val="tx1"/>
+        </a:solidFill>
+        <a:latin typeface="+mn-lt"/>
+        <a:ea typeface="+mn-ea"/>
+        <a:cs typeface="+mn-cs"/>
+      </a:defRPr>
+    </a:lvl7pPr>
+    <a:lvl8pPr marL="3200400" algn="l" defTabSz="914400" rtl="0" eaLnBrk="1" latinLnBrk="0" hangingPunct="1">
+      <a:defRPr sz="1200" kern="1200">
+        <a:solidFill>
+          <a:schemeClr val="tx1"/>
+        </a:solidFill>
+        <a:latin typeface="+mn-lt"/>
+        <a:ea typeface="+mn-ea"/>
+        <a:cs typeface="+mn-cs"/>
+      </a:defRPr>
+    </a:lvl8pPr>
+    <a:lvl9pPr marL="3657600" algn="l" defTabSz="914400" rtl="0" eaLnBrk="1" latinLnBrk="0" hangingPunct="1">
+      <a:defRPr sz="1200" kern="1200">
+        <a:solidFill>
+          <a:schemeClr val="tx1"/>
+        </a:solidFill>
+        <a:latin typeface="+mn-lt"/>
+        <a:ea typeface="+mn-ea"/>
+        <a:cs typeface="+mn-cs"/>
+      </a:defRPr>
+    </a:lvl9pPr>
+  </p:notesStyle>
+</p:notesMaster>
+</file>
+
+<file path=ppt/notesSlides/notesSlide1.xml><?xml version="1.0" encoding="utf-8"?>
+<p:notes xmlns:a="http://schemas.openxmlformats.org/drawingml/2006/main" xmlns:r="http://schemas.openxmlformats.org/officeDocument/2006/relationships" xmlns:p="http://schemas.openxmlformats.org/presentationml/2006/main">
+  <p:cSld>
+    <p:spTree>
+      <p:nvGrpSpPr>
+        <p:cNvPr id="1" name=""/>
+        <p:cNvGrpSpPr/>
+        <p:nvPr/>
+      </p:nvGrpSpPr>
+      <p:grpSpPr>
+        <a:xfrm>
+          <a:off x="0" y="0"/>
+          <a:ext cx="0" cy="0"/>
+          <a:chOff x="0" y="0"/>
+          <a:chExt cx="0" cy="0"/>
+        </a:xfrm>
+      </p:grpSpPr>
+      <p:sp>
+        <p:nvSpPr>
+          <p:cNvPr id="2" name="1 Marcador de imagen de diapositiva"/>
+          <p:cNvSpPr>
+            <a:spLocks noGrp="1" noRot="1" noChangeAspect="1"/>
+          </p:cNvSpPr>
+          <p:nvPr>
+            <p:ph type="sldImg"/>
+          </p:nvPr>
+        </p:nvSpPr>
+        <p:spPr/>
+      </p:sp>
+      <p:sp>
+        <p:nvSpPr>
+          <p:cNvPr id="3" name="2 Marcador de notas"/>
+          <p:cNvSpPr>
+            <a:spLocks noGrp="1"/>
+          </p:cNvSpPr>
+          <p:nvPr>
+            <p:ph type="body" idx="1"/>
+          </p:nvPr>
+        </p:nvSpPr>
+        <p:spPr/>
+        <p:txBody>
+          <a:bodyPr/>
+          <a:lstStyle/>
+          <a:p>
+            <a:endParaRPr lang="en-US" dirty="0"/>
+          </a:p>
+        </p:txBody>
+      </p:sp>
+      <p:sp>
+        <p:nvSpPr>
+          <p:cNvPr id="4" name="3 Marcador de número de diapositiva"/>
+          <p:cNvSpPr>
+            <a:spLocks noGrp="1"/>
+          </p:cNvSpPr>
+          <p:nvPr>
+            <p:ph type="sldNum" sz="quarter" idx="10"/>
+          </p:nvPr>
+        </p:nvSpPr>
+        <p:spPr/>
+        <p:txBody>
+          <a:bodyPr/>
+          <a:lstStyle/>
+          <a:p>
+            <a:fld id="{E076CD16-36F8-41E3-8B2D-7C5A076FB703}" type="slidenum">
+              <a:rPr lang="en-US" smtClean="0"/>
+              <a:t>2</a:t>
+            </a:fld>
+            <a:endParaRPr lang="en-US"/>
+          </a:p>
+        </p:txBody>
+      </p:sp>
+    </p:spTree>
+    <p:extLst>
+      <p:ext uri="{BB962C8B-B14F-4D97-AF65-F5344CB8AC3E}">
+        <p14:creationId xmlns:p14="http://schemas.microsoft.com/office/powerpoint/2010/main" val="736331441"/>
+      </p:ext>
+    </p:extLst>
+  </p:cSld>
+  <p:clrMapOvr>
+    <a:masterClrMapping/>
+  </p:clrMapOvr>
+</p:notes>
+</file>
+
+<file path=ppt/notesSlides/notesSlide2.xml><?xml version="1.0" encoding="utf-8"?>
+<p:notes xmlns:a="http://schemas.openxmlformats.org/drawingml/2006/main" xmlns:r="http://schemas.openxmlformats.org/officeDocument/2006/relationships" xmlns:p="http://schemas.openxmlformats.org/presentationml/2006/main">
+  <p:cSld>
+    <p:spTree>
+      <p:nvGrpSpPr>
+        <p:cNvPr id="1" name=""/>
+        <p:cNvGrpSpPr/>
+        <p:nvPr/>
+      </p:nvGrpSpPr>
+      <p:grpSpPr>
+        <a:xfrm>
+          <a:off x="0" y="0"/>
+          <a:ext cx="0" cy="0"/>
+          <a:chOff x="0" y="0"/>
+          <a:chExt cx="0" cy="0"/>
+        </a:xfrm>
+      </p:grpSpPr>
+      <p:sp>
+        <p:nvSpPr>
+          <p:cNvPr id="2" name="1 Marcador de imagen de diapositiva"/>
+          <p:cNvSpPr>
+            <a:spLocks noGrp="1" noRot="1" noChangeAspect="1"/>
+          </p:cNvSpPr>
+          <p:nvPr>
+            <p:ph type="sldImg"/>
+          </p:nvPr>
+        </p:nvSpPr>
+        <p:spPr/>
+      </p:sp>
+      <p:sp>
+        <p:nvSpPr>
+          <p:cNvPr id="3" name="2 Marcador de notas"/>
+          <p:cNvSpPr>
+            <a:spLocks noGrp="1"/>
+          </p:cNvSpPr>
+          <p:nvPr>
+            <p:ph type="body" idx="1"/>
+          </p:nvPr>
+        </p:nvSpPr>
+        <p:spPr/>
+        <p:txBody>
+          <a:bodyPr/>
+          <a:lstStyle/>
+          <a:p>
+            <a:endParaRPr lang="en-US" dirty="0"/>
+          </a:p>
+        </p:txBody>
+      </p:sp>
+      <p:sp>
+        <p:nvSpPr>
+          <p:cNvPr id="4" name="3 Marcador de número de diapositiva"/>
+          <p:cNvSpPr>
+            <a:spLocks noGrp="1"/>
+          </p:cNvSpPr>
+          <p:nvPr>
+            <p:ph type="sldNum" sz="quarter" idx="10"/>
+          </p:nvPr>
+        </p:nvSpPr>
+        <p:spPr/>
+        <p:txBody>
+          <a:bodyPr/>
+          <a:lstStyle/>
+          <a:p>
+            <a:fld id="{E076CD16-36F8-41E3-8B2D-7C5A076FB703}" type="slidenum">
+              <a:rPr lang="en-US" smtClean="0"/>
+              <a:t>4</a:t>
+            </a:fld>
+            <a:endParaRPr lang="en-US"/>
+          </a:p>
+        </p:txBody>
+      </p:sp>
+    </p:spTree>
+    <p:extLst>
+      <p:ext uri="{BB962C8B-B14F-4D97-AF65-F5344CB8AC3E}">
+        <p14:creationId xmlns:p14="http://schemas.microsoft.com/office/powerpoint/2010/main" val="1228572328"/>
+      </p:ext>
+    </p:extLst>
+  </p:cSld>
+  <p:clrMapOvr>
+    <a:masterClrMapping/>
+  </p:clrMapOvr>
+</p:notes>
 </file>
 
 <file path=ppt/slideLayouts/slideLayout1.xml><?xml version="1.0" encoding="utf-8"?>
@@ -5355,7 +5878,7 @@
             <a:pPr algn="ctr"/>
             <a:r>
               <a:rPr lang="en-US" sz="1050" dirty="0" smtClean="0"/>
-              <a:t>Command exit</a:t>
+              <a:t>Internal Conditions</a:t>
             </a:r>
             <a:endParaRPr lang="en-US" sz="1050" dirty="0"/>
           </a:p>
@@ -5747,7 +6270,7 @@
         </p:nvSpPr>
         <p:spPr>
           <a:xfrm>
-            <a:off x="228600" y="152400"/>
+            <a:off x="381000" y="523504"/>
             <a:ext cx="762000" cy="457200"/>
           </a:xfrm>
           <a:prstGeom prst="ellipse">
@@ -5783,6 +6306,888 @@
           </a:p>
         </p:txBody>
       </p:sp>
+      <p:sp>
+        <p:nvSpPr>
+          <p:cNvPr id="7" name="6 Título"/>
+          <p:cNvSpPr>
+            <a:spLocks noGrp="1"/>
+          </p:cNvSpPr>
+          <p:nvPr>
+            <p:ph type="title"/>
+          </p:nvPr>
+        </p:nvSpPr>
+        <p:spPr>
+          <a:xfrm>
+            <a:off x="76200" y="6019800"/>
+            <a:ext cx="7467600" cy="838200"/>
+          </a:xfrm>
+        </p:spPr>
+        <p:txBody>
+          <a:bodyPr/>
+          <a:lstStyle/>
+          <a:p>
+            <a:r>
+              <a:rPr lang="en-US" dirty="0" smtClean="0"/>
+              <a:t>Enter Command</a:t>
+            </a:r>
+            <a:endParaRPr lang="en-US" dirty="0"/>
+          </a:p>
+        </p:txBody>
+      </p:sp>
+      <p:sp>
+        <p:nvSpPr>
+          <p:cNvPr id="8" name="7 Entrada manual"/>
+          <p:cNvSpPr/>
+          <p:nvPr/>
+        </p:nvSpPr>
+        <p:spPr>
+          <a:xfrm>
+            <a:off x="1600200" y="409204"/>
+            <a:ext cx="838200" cy="685800"/>
+          </a:xfrm>
+          <a:prstGeom prst="flowChartManualInput">
+            <a:avLst/>
+          </a:prstGeom>
+        </p:spPr>
+        <p:style>
+          <a:lnRef idx="2">
+            <a:schemeClr val="accent1">
+              <a:shade val="50000"/>
+            </a:schemeClr>
+          </a:lnRef>
+          <a:fillRef idx="1">
+            <a:schemeClr val="accent1"/>
+          </a:fillRef>
+          <a:effectRef idx="0">
+            <a:schemeClr val="accent1"/>
+          </a:effectRef>
+          <a:fontRef idx="minor">
+            <a:schemeClr val="lt1"/>
+          </a:fontRef>
+        </p:style>
+        <p:txBody>
+          <a:bodyPr rtlCol="0" anchor="ctr"/>
+          <a:lstStyle/>
+          <a:p>
+            <a:pPr algn="ctr"/>
+            <a:r>
+              <a:rPr lang="en-US" sz="1100" dirty="0" smtClean="0"/>
+              <a:t>Enter Command</a:t>
+            </a:r>
+          </a:p>
+        </p:txBody>
+      </p:sp>
+      <p:sp>
+        <p:nvSpPr>
+          <p:cNvPr id="11" name="10 Rectángulo"/>
+          <p:cNvSpPr/>
+          <p:nvPr/>
+        </p:nvSpPr>
+        <p:spPr>
+          <a:xfrm>
+            <a:off x="3009900" y="171202"/>
+            <a:ext cx="2743200" cy="1161803"/>
+          </a:xfrm>
+          <a:prstGeom prst="rect">
+            <a:avLst/>
+          </a:prstGeom>
+        </p:spPr>
+        <p:style>
+          <a:lnRef idx="2">
+            <a:schemeClr val="accent1">
+              <a:shade val="50000"/>
+            </a:schemeClr>
+          </a:lnRef>
+          <a:fillRef idx="1">
+            <a:schemeClr val="accent1"/>
+          </a:fillRef>
+          <a:effectRef idx="0">
+            <a:schemeClr val="accent1"/>
+          </a:effectRef>
+          <a:fontRef idx="minor">
+            <a:schemeClr val="lt1"/>
+          </a:fontRef>
+        </p:style>
+        <p:txBody>
+          <a:bodyPr rtlCol="0" anchor="ctr"/>
+          <a:lstStyle/>
+          <a:p>
+            <a:pPr algn="ctr"/>
+            <a:r>
+              <a:rPr lang="en-US" dirty="0" smtClean="0"/>
+              <a:t>Set The Current Path</a:t>
+            </a:r>
+            <a:br>
+              <a:rPr lang="en-US" dirty="0" smtClean="0"/>
+            </a:br>
+            <a:r>
+              <a:rPr lang="en-US" dirty="0" smtClean="0"/>
+              <a:t>Set The Relative Path Save The History</a:t>
+            </a:r>
+            <a:endParaRPr lang="en-US" dirty="0"/>
+          </a:p>
+        </p:txBody>
+      </p:sp>
+      <p:sp>
+        <p:nvSpPr>
+          <p:cNvPr id="14" name="13 Decisión"/>
+          <p:cNvSpPr/>
+          <p:nvPr/>
+        </p:nvSpPr>
+        <p:spPr>
+          <a:xfrm>
+            <a:off x="4648200" y="1914401"/>
+            <a:ext cx="3581400" cy="533400"/>
+          </a:xfrm>
+          <a:prstGeom prst="flowChartDecision">
+            <a:avLst/>
+          </a:prstGeom>
+        </p:spPr>
+        <p:style>
+          <a:lnRef idx="2">
+            <a:schemeClr val="accent1">
+              <a:shade val="50000"/>
+            </a:schemeClr>
+          </a:lnRef>
+          <a:fillRef idx="1">
+            <a:schemeClr val="accent1"/>
+          </a:fillRef>
+          <a:effectRef idx="0">
+            <a:schemeClr val="accent1"/>
+          </a:effectRef>
+          <a:fontRef idx="minor">
+            <a:schemeClr val="lt1"/>
+          </a:fontRef>
+        </p:style>
+        <p:txBody>
+          <a:bodyPr rtlCol="0" anchor="ctr"/>
+          <a:lstStyle/>
+          <a:p>
+            <a:pPr algn="ctr"/>
+            <a:r>
+              <a:rPr lang="en-US" sz="1400" dirty="0" smtClean="0"/>
+              <a:t>Command == exit	</a:t>
+            </a:r>
+            <a:endParaRPr lang="en-US" sz="1400" dirty="0"/>
+          </a:p>
+        </p:txBody>
+      </p:sp>
+      <p:sp>
+        <p:nvSpPr>
+          <p:cNvPr id="16" name="15 Decisión"/>
+          <p:cNvSpPr/>
+          <p:nvPr/>
+        </p:nvSpPr>
+        <p:spPr>
+          <a:xfrm>
+            <a:off x="4574227" y="2514600"/>
+            <a:ext cx="3581400" cy="533400"/>
+          </a:xfrm>
+          <a:prstGeom prst="flowChartDecision">
+            <a:avLst/>
+          </a:prstGeom>
+        </p:spPr>
+        <p:style>
+          <a:lnRef idx="2">
+            <a:schemeClr val="accent1">
+              <a:shade val="50000"/>
+            </a:schemeClr>
+          </a:lnRef>
+          <a:fillRef idx="1">
+            <a:schemeClr val="accent1"/>
+          </a:fillRef>
+          <a:effectRef idx="0">
+            <a:schemeClr val="accent1"/>
+          </a:effectRef>
+          <a:fontRef idx="minor">
+            <a:schemeClr val="lt1"/>
+          </a:fontRef>
+        </p:style>
+        <p:txBody>
+          <a:bodyPr rtlCol="0" anchor="ctr"/>
+          <a:lstStyle/>
+          <a:p>
+            <a:pPr algn="ctr"/>
+            <a:r>
+              <a:rPr lang="en-US" sz="1400" dirty="0" smtClean="0"/>
+              <a:t>Command == go-back	</a:t>
+            </a:r>
+            <a:endParaRPr lang="en-US" sz="1400" dirty="0"/>
+          </a:p>
+        </p:txBody>
+      </p:sp>
+      <p:sp>
+        <p:nvSpPr>
+          <p:cNvPr id="17" name="16 Decisión"/>
+          <p:cNvSpPr/>
+          <p:nvPr/>
+        </p:nvSpPr>
+        <p:spPr>
+          <a:xfrm>
+            <a:off x="4313031" y="3048001"/>
+            <a:ext cx="3581400" cy="533400"/>
+          </a:xfrm>
+          <a:prstGeom prst="flowChartDecision">
+            <a:avLst/>
+          </a:prstGeom>
+        </p:spPr>
+        <p:style>
+          <a:lnRef idx="2">
+            <a:schemeClr val="accent1">
+              <a:shade val="50000"/>
+            </a:schemeClr>
+          </a:lnRef>
+          <a:fillRef idx="1">
+            <a:schemeClr val="accent1"/>
+          </a:fillRef>
+          <a:effectRef idx="0">
+            <a:schemeClr val="accent1"/>
+          </a:effectRef>
+          <a:fontRef idx="minor">
+            <a:schemeClr val="lt1"/>
+          </a:fontRef>
+        </p:style>
+        <p:txBody>
+          <a:bodyPr rtlCol="0" anchor="ctr"/>
+          <a:lstStyle/>
+          <a:p>
+            <a:pPr algn="ctr"/>
+            <a:r>
+              <a:rPr lang="en-US" sz="1400" dirty="0" smtClean="0"/>
+              <a:t>Command == back	</a:t>
+            </a:r>
+            <a:endParaRPr lang="en-US" sz="1400" dirty="0"/>
+          </a:p>
+        </p:txBody>
+      </p:sp>
+      <p:sp>
+        <p:nvSpPr>
+          <p:cNvPr id="18" name="17 Decisión"/>
+          <p:cNvSpPr/>
+          <p:nvPr/>
+        </p:nvSpPr>
+        <p:spPr>
+          <a:xfrm>
+            <a:off x="762000" y="3581401"/>
+            <a:ext cx="4076700" cy="533400"/>
+          </a:xfrm>
+          <a:prstGeom prst="flowChartDecision">
+            <a:avLst/>
+          </a:prstGeom>
+        </p:spPr>
+        <p:style>
+          <a:lnRef idx="2">
+            <a:schemeClr val="accent1">
+              <a:shade val="50000"/>
+            </a:schemeClr>
+          </a:lnRef>
+          <a:fillRef idx="1">
+            <a:schemeClr val="accent1"/>
+          </a:fillRef>
+          <a:effectRef idx="0">
+            <a:schemeClr val="accent1"/>
+          </a:effectRef>
+          <a:fontRef idx="minor">
+            <a:schemeClr val="lt1"/>
+          </a:fontRef>
+        </p:style>
+        <p:txBody>
+          <a:bodyPr rtlCol="0" anchor="ctr"/>
+          <a:lstStyle/>
+          <a:p>
+            <a:pPr algn="ctr"/>
+            <a:r>
+              <a:rPr lang="en-US" sz="1400" dirty="0" smtClean="0"/>
+              <a:t>Command == go back	</a:t>
+            </a:r>
+            <a:endParaRPr lang="en-US" sz="1400" dirty="0"/>
+          </a:p>
+        </p:txBody>
+      </p:sp>
+      <p:cxnSp>
+        <p:nvCxnSpPr>
+          <p:cNvPr id="20" name="19 Conector angular"/>
+          <p:cNvCxnSpPr>
+            <a:stCxn id="11" idx="3"/>
+            <a:endCxn id="14" idx="0"/>
+          </p:cNvCxnSpPr>
+          <p:nvPr/>
+        </p:nvCxnSpPr>
+        <p:spPr>
+          <a:xfrm>
+            <a:off x="5753100" y="752104"/>
+            <a:ext cx="685800" cy="1162297"/>
+          </a:xfrm>
+          <a:prstGeom prst="bentConnector2">
+            <a:avLst/>
+          </a:prstGeom>
+          <a:ln>
+            <a:tailEnd type="arrow"/>
+          </a:ln>
+        </p:spPr>
+        <p:style>
+          <a:lnRef idx="1">
+            <a:schemeClr val="accent1"/>
+          </a:lnRef>
+          <a:fillRef idx="0">
+            <a:schemeClr val="accent1"/>
+          </a:fillRef>
+          <a:effectRef idx="0">
+            <a:schemeClr val="accent1"/>
+          </a:effectRef>
+          <a:fontRef idx="minor">
+            <a:schemeClr val="tx1"/>
+          </a:fontRef>
+        </p:style>
+      </p:cxnSp>
+      <p:sp>
+        <p:nvSpPr>
+          <p:cNvPr id="23" name="22 Elipse"/>
+          <p:cNvSpPr/>
+          <p:nvPr/>
+        </p:nvSpPr>
+        <p:spPr>
+          <a:xfrm>
+            <a:off x="7833753" y="379120"/>
+            <a:ext cx="1139047" cy="914399"/>
+          </a:xfrm>
+          <a:prstGeom prst="ellipse">
+            <a:avLst/>
+          </a:prstGeom>
+        </p:spPr>
+        <p:style>
+          <a:lnRef idx="2">
+            <a:schemeClr val="accent1">
+              <a:shade val="50000"/>
+            </a:schemeClr>
+          </a:lnRef>
+          <a:fillRef idx="1">
+            <a:schemeClr val="accent1"/>
+          </a:fillRef>
+          <a:effectRef idx="0">
+            <a:schemeClr val="accent1"/>
+          </a:effectRef>
+          <a:fontRef idx="minor">
+            <a:schemeClr val="lt1"/>
+          </a:fontRef>
+        </p:style>
+        <p:txBody>
+          <a:bodyPr rtlCol="0" anchor="ctr"/>
+          <a:lstStyle/>
+          <a:p>
+            <a:pPr algn="ctr"/>
+            <a:r>
+              <a:rPr lang="en-US" dirty="0"/>
+              <a:t>Exit Shell</a:t>
+            </a:r>
+            <a:endParaRPr lang="en-US" dirty="0"/>
+          </a:p>
+        </p:txBody>
+      </p:sp>
+      <p:cxnSp>
+        <p:nvCxnSpPr>
+          <p:cNvPr id="25" name="24 Conector angular"/>
+          <p:cNvCxnSpPr>
+            <a:stCxn id="14" idx="1"/>
+            <a:endCxn id="16" idx="1"/>
+          </p:cNvCxnSpPr>
+          <p:nvPr/>
+        </p:nvCxnSpPr>
+        <p:spPr>
+          <a:xfrm rot="10800000" flipV="1">
+            <a:off x="4574228" y="2181100"/>
+            <a:ext cx="73973" cy="600199"/>
+          </a:xfrm>
+          <a:prstGeom prst="bentConnector3">
+            <a:avLst>
+              <a:gd name="adj1" fmla="val 409032"/>
+            </a:avLst>
+          </a:prstGeom>
+          <a:ln>
+            <a:tailEnd type="arrow"/>
+          </a:ln>
+        </p:spPr>
+        <p:style>
+          <a:lnRef idx="1">
+            <a:schemeClr val="accent1"/>
+          </a:lnRef>
+          <a:fillRef idx="0">
+            <a:schemeClr val="accent1"/>
+          </a:fillRef>
+          <a:effectRef idx="0">
+            <a:schemeClr val="accent1"/>
+          </a:effectRef>
+          <a:fontRef idx="minor">
+            <a:schemeClr val="tx1"/>
+          </a:fontRef>
+        </p:style>
+      </p:cxnSp>
+      <p:cxnSp>
+        <p:nvCxnSpPr>
+          <p:cNvPr id="27" name="26 Conector angular"/>
+          <p:cNvCxnSpPr>
+            <a:stCxn id="16" idx="1"/>
+            <a:endCxn id="17" idx="1"/>
+          </p:cNvCxnSpPr>
+          <p:nvPr/>
+        </p:nvCxnSpPr>
+        <p:spPr>
+          <a:xfrm rot="10800000" flipV="1">
+            <a:off x="4313031" y="2781299"/>
+            <a:ext cx="261196" cy="533401"/>
+          </a:xfrm>
+          <a:prstGeom prst="bentConnector3">
+            <a:avLst>
+              <a:gd name="adj1" fmla="val 187520"/>
+            </a:avLst>
+          </a:prstGeom>
+          <a:ln>
+            <a:tailEnd type="arrow"/>
+          </a:ln>
+        </p:spPr>
+        <p:style>
+          <a:lnRef idx="1">
+            <a:schemeClr val="accent1"/>
+          </a:lnRef>
+          <a:fillRef idx="0">
+            <a:schemeClr val="accent1"/>
+          </a:fillRef>
+          <a:effectRef idx="0">
+            <a:schemeClr val="accent1"/>
+          </a:effectRef>
+          <a:fontRef idx="minor">
+            <a:schemeClr val="tx1"/>
+          </a:fontRef>
+        </p:style>
+      </p:cxnSp>
+      <p:cxnSp>
+        <p:nvCxnSpPr>
+          <p:cNvPr id="31" name="30 Conector angular"/>
+          <p:cNvCxnSpPr>
+            <a:stCxn id="17" idx="1"/>
+            <a:endCxn id="18" idx="1"/>
+          </p:cNvCxnSpPr>
+          <p:nvPr/>
+        </p:nvCxnSpPr>
+        <p:spPr>
+          <a:xfrm rot="10800000" flipV="1">
+            <a:off x="762001" y="3314701"/>
+            <a:ext cx="3551031" cy="533400"/>
+          </a:xfrm>
+          <a:prstGeom prst="bentConnector3">
+            <a:avLst>
+              <a:gd name="adj1" fmla="val 106438"/>
+            </a:avLst>
+          </a:prstGeom>
+          <a:ln>
+            <a:tailEnd type="arrow"/>
+          </a:ln>
+        </p:spPr>
+        <p:style>
+          <a:lnRef idx="1">
+            <a:schemeClr val="accent1"/>
+          </a:lnRef>
+          <a:fillRef idx="0">
+            <a:schemeClr val="accent1"/>
+          </a:fillRef>
+          <a:effectRef idx="0">
+            <a:schemeClr val="accent1"/>
+          </a:effectRef>
+          <a:fontRef idx="minor">
+            <a:schemeClr val="tx1"/>
+          </a:fontRef>
+        </p:style>
+      </p:cxnSp>
+      <p:sp>
+        <p:nvSpPr>
+          <p:cNvPr id="36" name="35 Rectángulo redondeado"/>
+          <p:cNvSpPr/>
+          <p:nvPr/>
+        </p:nvSpPr>
+        <p:spPr>
+          <a:xfrm>
+            <a:off x="4443629" y="4909457"/>
+            <a:ext cx="1219200" cy="914400"/>
+          </a:xfrm>
+          <a:prstGeom prst="roundRect">
+            <a:avLst/>
+          </a:prstGeom>
+        </p:spPr>
+        <p:style>
+          <a:lnRef idx="2">
+            <a:schemeClr val="accent1">
+              <a:shade val="50000"/>
+            </a:schemeClr>
+          </a:lnRef>
+          <a:fillRef idx="1">
+            <a:schemeClr val="accent1"/>
+          </a:fillRef>
+          <a:effectRef idx="0">
+            <a:schemeClr val="accent1"/>
+          </a:effectRef>
+          <a:fontRef idx="minor">
+            <a:schemeClr val="lt1"/>
+          </a:fontRef>
+        </p:style>
+        <p:txBody>
+          <a:bodyPr rtlCol="0" anchor="ctr"/>
+          <a:lstStyle/>
+          <a:p>
+            <a:pPr algn="ctr"/>
+            <a:r>
+              <a:rPr lang="en-US" dirty="0"/>
+              <a:t>Process Options</a:t>
+            </a:r>
+            <a:endParaRPr lang="en-US" dirty="0"/>
+          </a:p>
+        </p:txBody>
+      </p:sp>
+      <p:cxnSp>
+        <p:nvCxnSpPr>
+          <p:cNvPr id="40" name="39 Conector angular"/>
+          <p:cNvCxnSpPr>
+            <a:stCxn id="14" idx="3"/>
+            <a:endCxn id="23" idx="4"/>
+          </p:cNvCxnSpPr>
+          <p:nvPr/>
+        </p:nvCxnSpPr>
+        <p:spPr>
+          <a:xfrm flipV="1">
+            <a:off x="8229600" y="1293519"/>
+            <a:ext cx="173677" cy="887582"/>
+          </a:xfrm>
+          <a:prstGeom prst="bentConnector2">
+            <a:avLst/>
+          </a:prstGeom>
+          <a:ln>
+            <a:tailEnd type="arrow"/>
+          </a:ln>
+        </p:spPr>
+        <p:style>
+          <a:lnRef idx="1">
+            <a:schemeClr val="accent1"/>
+          </a:lnRef>
+          <a:fillRef idx="0">
+            <a:schemeClr val="accent1"/>
+          </a:fillRef>
+          <a:effectRef idx="0">
+            <a:schemeClr val="accent1"/>
+          </a:effectRef>
+          <a:fontRef idx="minor">
+            <a:schemeClr val="tx1"/>
+          </a:fontRef>
+        </p:style>
+      </p:cxnSp>
+      <p:cxnSp>
+        <p:nvCxnSpPr>
+          <p:cNvPr id="46" name="45 Conector angular"/>
+          <p:cNvCxnSpPr>
+            <a:stCxn id="16" idx="3"/>
+            <a:endCxn id="36" idx="3"/>
+          </p:cNvCxnSpPr>
+          <p:nvPr/>
+        </p:nvCxnSpPr>
+        <p:spPr>
+          <a:xfrm flipH="1">
+            <a:off x="5662829" y="2781300"/>
+            <a:ext cx="2492798" cy="2585357"/>
+          </a:xfrm>
+          <a:prstGeom prst="bentConnector3">
+            <a:avLst>
+              <a:gd name="adj1" fmla="val -9170"/>
+            </a:avLst>
+          </a:prstGeom>
+          <a:ln>
+            <a:tailEnd type="arrow"/>
+          </a:ln>
+        </p:spPr>
+        <p:style>
+          <a:lnRef idx="1">
+            <a:schemeClr val="accent1"/>
+          </a:lnRef>
+          <a:fillRef idx="0">
+            <a:schemeClr val="accent1"/>
+          </a:fillRef>
+          <a:effectRef idx="0">
+            <a:schemeClr val="accent1"/>
+          </a:effectRef>
+          <a:fontRef idx="minor">
+            <a:schemeClr val="tx1"/>
+          </a:fontRef>
+        </p:style>
+      </p:cxnSp>
+      <p:cxnSp>
+        <p:nvCxnSpPr>
+          <p:cNvPr id="60" name="59 Conector angular"/>
+          <p:cNvCxnSpPr>
+            <a:stCxn id="17" idx="3"/>
+            <a:endCxn id="36" idx="0"/>
+          </p:cNvCxnSpPr>
+          <p:nvPr/>
+        </p:nvCxnSpPr>
+        <p:spPr>
+          <a:xfrm flipH="1">
+            <a:off x="5053229" y="3314701"/>
+            <a:ext cx="2841202" cy="1594756"/>
+          </a:xfrm>
+          <a:prstGeom prst="bentConnector4">
+            <a:avLst>
+              <a:gd name="adj1" fmla="val -8046"/>
+              <a:gd name="adj2" fmla="val 58362"/>
+            </a:avLst>
+          </a:prstGeom>
+          <a:ln>
+            <a:tailEnd type="arrow"/>
+          </a:ln>
+        </p:spPr>
+        <p:style>
+          <a:lnRef idx="1">
+            <a:schemeClr val="accent1"/>
+          </a:lnRef>
+          <a:fillRef idx="0">
+            <a:schemeClr val="accent1"/>
+          </a:fillRef>
+          <a:effectRef idx="0">
+            <a:schemeClr val="accent1"/>
+          </a:effectRef>
+          <a:fontRef idx="minor">
+            <a:schemeClr val="tx1"/>
+          </a:fontRef>
+        </p:style>
+      </p:cxnSp>
+      <p:cxnSp>
+        <p:nvCxnSpPr>
+          <p:cNvPr id="65" name="64 Conector angular"/>
+          <p:cNvCxnSpPr>
+            <a:stCxn id="18" idx="3"/>
+            <a:endCxn id="36" idx="1"/>
+          </p:cNvCxnSpPr>
+          <p:nvPr/>
+        </p:nvCxnSpPr>
+        <p:spPr>
+          <a:xfrm flipH="1">
+            <a:off x="4443629" y="3848101"/>
+            <a:ext cx="395071" cy="1518556"/>
+          </a:xfrm>
+          <a:prstGeom prst="bentConnector5">
+            <a:avLst>
+              <a:gd name="adj1" fmla="val -57863"/>
+              <a:gd name="adj2" fmla="val 43728"/>
+              <a:gd name="adj3" fmla="val 157863"/>
+            </a:avLst>
+          </a:prstGeom>
+          <a:ln>
+            <a:tailEnd type="arrow"/>
+          </a:ln>
+        </p:spPr>
+        <p:style>
+          <a:lnRef idx="1">
+            <a:schemeClr val="accent1"/>
+          </a:lnRef>
+          <a:fillRef idx="0">
+            <a:schemeClr val="accent1"/>
+          </a:fillRef>
+          <a:effectRef idx="0">
+            <a:schemeClr val="accent1"/>
+          </a:effectRef>
+          <a:fontRef idx="minor">
+            <a:schemeClr val="tx1"/>
+          </a:fontRef>
+        </p:style>
+      </p:cxnSp>
+      <p:sp>
+        <p:nvSpPr>
+          <p:cNvPr id="72" name="71 Redondear rectángulo de esquina sencilla"/>
+          <p:cNvSpPr/>
+          <p:nvPr/>
+        </p:nvSpPr>
+        <p:spPr>
+          <a:xfrm>
+            <a:off x="724146" y="4468585"/>
+            <a:ext cx="2156516" cy="1186543"/>
+          </a:xfrm>
+          <a:prstGeom prst="round1Rect">
+            <a:avLst/>
+          </a:prstGeom>
+        </p:spPr>
+        <p:style>
+          <a:lnRef idx="2">
+            <a:schemeClr val="accent1">
+              <a:shade val="50000"/>
+            </a:schemeClr>
+          </a:lnRef>
+          <a:fillRef idx="1">
+            <a:schemeClr val="accent1"/>
+          </a:fillRef>
+          <a:effectRef idx="0">
+            <a:schemeClr val="accent1"/>
+          </a:effectRef>
+          <a:fontRef idx="minor">
+            <a:schemeClr val="lt1"/>
+          </a:fontRef>
+        </p:style>
+        <p:txBody>
+          <a:bodyPr rtlCol="0" anchor="ctr"/>
+          <a:lstStyle/>
+          <a:p>
+            <a:pPr algn="ctr"/>
+            <a:r>
+              <a:rPr lang="en-US" dirty="0" smtClean="0"/>
+              <a:t>Parse The Code</a:t>
+            </a:r>
+            <a:endParaRPr lang="en-US" dirty="0"/>
+          </a:p>
+        </p:txBody>
+      </p:sp>
+      <p:cxnSp>
+        <p:nvCxnSpPr>
+          <p:cNvPr id="74" name="73 Conector angular"/>
+          <p:cNvCxnSpPr>
+            <a:stCxn id="18" idx="1"/>
+            <a:endCxn id="72" idx="1"/>
+          </p:cNvCxnSpPr>
+          <p:nvPr/>
+        </p:nvCxnSpPr>
+        <p:spPr>
+          <a:xfrm rot="10800000" flipV="1">
+            <a:off x="724146" y="3848101"/>
+            <a:ext cx="37854" cy="1213756"/>
+          </a:xfrm>
+          <a:prstGeom prst="bentConnector3">
+            <a:avLst>
+              <a:gd name="adj1" fmla="val 703899"/>
+            </a:avLst>
+          </a:prstGeom>
+          <a:ln>
+            <a:tailEnd type="arrow"/>
+          </a:ln>
+        </p:spPr>
+        <p:style>
+          <a:lnRef idx="1">
+            <a:schemeClr val="accent1"/>
+          </a:lnRef>
+          <a:fillRef idx="0">
+            <a:schemeClr val="accent1"/>
+          </a:fillRef>
+          <a:effectRef idx="0">
+            <a:schemeClr val="accent1"/>
+          </a:effectRef>
+          <a:fontRef idx="minor">
+            <a:schemeClr val="tx1"/>
+          </a:fontRef>
+        </p:style>
+      </p:cxnSp>
+      <p:cxnSp>
+        <p:nvCxnSpPr>
+          <p:cNvPr id="77" name="76 Conector angular"/>
+          <p:cNvCxnSpPr>
+            <a:stCxn id="72" idx="2"/>
+            <a:endCxn id="23" idx="6"/>
+          </p:cNvCxnSpPr>
+          <p:nvPr/>
+        </p:nvCxnSpPr>
+        <p:spPr>
+          <a:xfrm rot="5400000" flipH="1" flipV="1">
+            <a:off x="2978198" y="-339474"/>
+            <a:ext cx="4818808" cy="7170396"/>
+          </a:xfrm>
+          <a:prstGeom prst="bentConnector4">
+            <a:avLst>
+              <a:gd name="adj1" fmla="val -7948"/>
+              <a:gd name="adj2" fmla="val 99710"/>
+            </a:avLst>
+          </a:prstGeom>
+          <a:ln>
+            <a:tailEnd type="arrow"/>
+          </a:ln>
+        </p:spPr>
+        <p:style>
+          <a:lnRef idx="1">
+            <a:schemeClr val="accent1"/>
+          </a:lnRef>
+          <a:fillRef idx="0">
+            <a:schemeClr val="accent1"/>
+          </a:fillRef>
+          <a:effectRef idx="0">
+            <a:schemeClr val="accent1"/>
+          </a:effectRef>
+          <a:fontRef idx="minor">
+            <a:schemeClr val="tx1"/>
+          </a:fontRef>
+        </p:style>
+      </p:cxnSp>
+      <p:cxnSp>
+        <p:nvCxnSpPr>
+          <p:cNvPr id="83" name="82 Conector recto de flecha"/>
+          <p:cNvCxnSpPr>
+            <a:stCxn id="8" idx="3"/>
+            <a:endCxn id="11" idx="1"/>
+          </p:cNvCxnSpPr>
+          <p:nvPr/>
+        </p:nvCxnSpPr>
+        <p:spPr>
+          <a:xfrm>
+            <a:off x="2438400" y="752104"/>
+            <a:ext cx="571500" cy="0"/>
+          </a:xfrm>
+          <a:prstGeom prst="straightConnector1">
+            <a:avLst/>
+          </a:prstGeom>
+          <a:ln>
+            <a:tailEnd type="arrow"/>
+          </a:ln>
+        </p:spPr>
+        <p:style>
+          <a:lnRef idx="1">
+            <a:schemeClr val="accent1"/>
+          </a:lnRef>
+          <a:fillRef idx="0">
+            <a:schemeClr val="accent1"/>
+          </a:fillRef>
+          <a:effectRef idx="0">
+            <a:schemeClr val="accent1"/>
+          </a:effectRef>
+          <a:fontRef idx="minor">
+            <a:schemeClr val="tx1"/>
+          </a:fontRef>
+        </p:style>
+      </p:cxnSp>
+      <p:cxnSp>
+        <p:nvCxnSpPr>
+          <p:cNvPr id="85" name="84 Conector recto de flecha"/>
+          <p:cNvCxnSpPr>
+            <a:stCxn id="4" idx="6"/>
+            <a:endCxn id="8" idx="1"/>
+          </p:cNvCxnSpPr>
+          <p:nvPr/>
+        </p:nvCxnSpPr>
+        <p:spPr>
+          <a:xfrm>
+            <a:off x="1143000" y="752104"/>
+            <a:ext cx="457200" cy="0"/>
+          </a:xfrm>
+          <a:prstGeom prst="straightConnector1">
+            <a:avLst/>
+          </a:prstGeom>
+          <a:ln>
+            <a:tailEnd type="arrow"/>
+          </a:ln>
+        </p:spPr>
+        <p:style>
+          <a:lnRef idx="1">
+            <a:schemeClr val="accent1"/>
+          </a:lnRef>
+          <a:fillRef idx="0">
+            <a:schemeClr val="accent1"/>
+          </a:fillRef>
+          <a:effectRef idx="0">
+            <a:schemeClr val="accent1"/>
+          </a:effectRef>
+          <a:fontRef idx="minor">
+            <a:schemeClr val="tx1"/>
+          </a:fontRef>
+        </p:style>
+      </p:cxnSp>
     </p:spTree>
     <p:extLst>
       <p:ext uri="{BB962C8B-B14F-4D97-AF65-F5344CB8AC3E}">
@@ -5804,6 +7209,832 @@
 </file>
 
 <file path=ppt/slides/slide4.xml><?xml version="1.0" encoding="utf-8"?>
+<p:sld xmlns:a="http://schemas.openxmlformats.org/drawingml/2006/main" xmlns:r="http://schemas.openxmlformats.org/officeDocument/2006/relationships" xmlns:p="http://schemas.openxmlformats.org/presentationml/2006/main">
+  <p:cSld>
+    <p:spTree>
+      <p:nvGrpSpPr>
+        <p:cNvPr id="1" name=""/>
+        <p:cNvGrpSpPr/>
+        <p:nvPr/>
+      </p:nvGrpSpPr>
+      <p:grpSpPr>
+        <a:xfrm>
+          <a:off x="0" y="0"/>
+          <a:ext cx="0" cy="0"/>
+          <a:chOff x="0" y="0"/>
+          <a:chExt cx="0" cy="0"/>
+        </a:xfrm>
+      </p:grpSpPr>
+      <p:sp>
+        <p:nvSpPr>
+          <p:cNvPr id="4" name="3 Elipse"/>
+          <p:cNvSpPr/>
+          <p:nvPr/>
+        </p:nvSpPr>
+        <p:spPr>
+          <a:xfrm>
+            <a:off x="381000" y="523504"/>
+            <a:ext cx="762000" cy="457200"/>
+          </a:xfrm>
+          <a:prstGeom prst="ellipse">
+            <a:avLst/>
+          </a:prstGeom>
+        </p:spPr>
+        <p:style>
+          <a:lnRef idx="2">
+            <a:schemeClr val="accent1">
+              <a:shade val="50000"/>
+            </a:schemeClr>
+          </a:lnRef>
+          <a:fillRef idx="1">
+            <a:schemeClr val="accent1"/>
+          </a:fillRef>
+          <a:effectRef idx="0">
+            <a:schemeClr val="accent1"/>
+          </a:effectRef>
+          <a:fontRef idx="minor">
+            <a:schemeClr val="lt1"/>
+          </a:fontRef>
+        </p:style>
+        <p:txBody>
+          <a:bodyPr rtlCol="0" anchor="ctr"/>
+          <a:lstStyle/>
+          <a:p>
+            <a:pPr algn="ctr"/>
+            <a:r>
+              <a:rPr lang="en-US" sz="1200" dirty="0" smtClean="0"/>
+              <a:t>start</a:t>
+            </a:r>
+            <a:endParaRPr lang="en-US" sz="1200" dirty="0"/>
+          </a:p>
+        </p:txBody>
+      </p:sp>
+      <p:sp>
+        <p:nvSpPr>
+          <p:cNvPr id="9" name="8 Rectángulo"/>
+          <p:cNvSpPr/>
+          <p:nvPr/>
+        </p:nvSpPr>
+        <p:spPr>
+          <a:xfrm>
+            <a:off x="2057400" y="556161"/>
+            <a:ext cx="2286000" cy="1066800"/>
+          </a:xfrm>
+          <a:prstGeom prst="rect">
+            <a:avLst/>
+          </a:prstGeom>
+        </p:spPr>
+        <p:style>
+          <a:lnRef idx="2">
+            <a:schemeClr val="accent1">
+              <a:shade val="50000"/>
+            </a:schemeClr>
+          </a:lnRef>
+          <a:fillRef idx="1">
+            <a:schemeClr val="accent1"/>
+          </a:fillRef>
+          <a:effectRef idx="0">
+            <a:schemeClr val="accent1"/>
+          </a:effectRef>
+          <a:fontRef idx="minor">
+            <a:schemeClr val="lt1"/>
+          </a:fontRef>
+        </p:style>
+        <p:txBody>
+          <a:bodyPr rtlCol="0" anchor="ctr"/>
+          <a:lstStyle/>
+          <a:p>
+            <a:pPr algn="ctr"/>
+            <a:r>
+              <a:rPr lang="en-US" dirty="0" smtClean="0"/>
+              <a:t>Code Parser</a:t>
+            </a:r>
+            <a:endParaRPr lang="en-US" dirty="0"/>
+          </a:p>
+        </p:txBody>
+      </p:sp>
+      <p:cxnSp>
+        <p:nvCxnSpPr>
+          <p:cNvPr id="11" name="10 Conector angular"/>
+          <p:cNvCxnSpPr>
+            <a:stCxn id="4" idx="6"/>
+            <a:endCxn id="9" idx="0"/>
+          </p:cNvCxnSpPr>
+          <p:nvPr/>
+        </p:nvCxnSpPr>
+        <p:spPr>
+          <a:xfrm flipV="1">
+            <a:off x="1143000" y="556161"/>
+            <a:ext cx="2057400" cy="195943"/>
+          </a:xfrm>
+          <a:prstGeom prst="bentConnector4">
+            <a:avLst>
+              <a:gd name="adj1" fmla="val 22222"/>
+              <a:gd name="adj2" fmla="val 233333"/>
+            </a:avLst>
+          </a:prstGeom>
+          <a:ln>
+            <a:tailEnd type="arrow"/>
+          </a:ln>
+        </p:spPr>
+        <p:style>
+          <a:lnRef idx="1">
+            <a:schemeClr val="accent1"/>
+          </a:lnRef>
+          <a:fillRef idx="0">
+            <a:schemeClr val="accent1"/>
+          </a:fillRef>
+          <a:effectRef idx="0">
+            <a:schemeClr val="accent1"/>
+          </a:effectRef>
+          <a:fontRef idx="minor">
+            <a:schemeClr val="tx1"/>
+          </a:fontRef>
+        </p:style>
+      </p:cxnSp>
+      <p:sp>
+        <p:nvSpPr>
+          <p:cNvPr id="14" name="13 Decisión"/>
+          <p:cNvSpPr/>
+          <p:nvPr/>
+        </p:nvSpPr>
+        <p:spPr>
+          <a:xfrm>
+            <a:off x="846800" y="2057400"/>
+            <a:ext cx="3834246" cy="762000"/>
+          </a:xfrm>
+          <a:prstGeom prst="flowChartDecision">
+            <a:avLst/>
+          </a:prstGeom>
+        </p:spPr>
+        <p:style>
+          <a:lnRef idx="2">
+            <a:schemeClr val="accent1">
+              <a:shade val="50000"/>
+            </a:schemeClr>
+          </a:lnRef>
+          <a:fillRef idx="1">
+            <a:schemeClr val="accent1"/>
+          </a:fillRef>
+          <a:effectRef idx="0">
+            <a:schemeClr val="accent1"/>
+          </a:effectRef>
+          <a:fontRef idx="minor">
+            <a:schemeClr val="lt1"/>
+          </a:fontRef>
+        </p:style>
+        <p:txBody>
+          <a:bodyPr rtlCol="0" anchor="ctr"/>
+          <a:lstStyle/>
+          <a:p>
+            <a:pPr algn="ctr"/>
+            <a:r>
+              <a:rPr lang="en-US" sz="1400" dirty="0" smtClean="0"/>
+              <a:t>Code type=action</a:t>
+            </a:r>
+            <a:endParaRPr lang="en-US" sz="1400" dirty="0" smtClean="0"/>
+          </a:p>
+        </p:txBody>
+      </p:sp>
+      <p:cxnSp>
+        <p:nvCxnSpPr>
+          <p:cNvPr id="16" name="15 Conector angular"/>
+          <p:cNvCxnSpPr>
+            <a:stCxn id="9" idx="2"/>
+            <a:endCxn id="14" idx="0"/>
+          </p:cNvCxnSpPr>
+          <p:nvPr/>
+        </p:nvCxnSpPr>
+        <p:spPr>
+          <a:xfrm rot="5400000">
+            <a:off x="2764943" y="1621942"/>
+            <a:ext cx="434439" cy="436477"/>
+          </a:xfrm>
+          <a:prstGeom prst="bentConnector3">
+            <a:avLst/>
+          </a:prstGeom>
+          <a:ln>
+            <a:tailEnd type="arrow"/>
+          </a:ln>
+        </p:spPr>
+        <p:style>
+          <a:lnRef idx="1">
+            <a:schemeClr val="accent1"/>
+          </a:lnRef>
+          <a:fillRef idx="0">
+            <a:schemeClr val="accent1"/>
+          </a:fillRef>
+          <a:effectRef idx="0">
+            <a:schemeClr val="accent1"/>
+          </a:effectRef>
+          <a:fontRef idx="minor">
+            <a:schemeClr val="tx1"/>
+          </a:fontRef>
+        </p:style>
+      </p:cxnSp>
+      <p:sp>
+        <p:nvSpPr>
+          <p:cNvPr id="20" name="19 Decisión"/>
+          <p:cNvSpPr/>
+          <p:nvPr/>
+        </p:nvSpPr>
+        <p:spPr>
+          <a:xfrm>
+            <a:off x="1012374" y="3124200"/>
+            <a:ext cx="3834246" cy="762000"/>
+          </a:xfrm>
+          <a:prstGeom prst="flowChartDecision">
+            <a:avLst/>
+          </a:prstGeom>
+        </p:spPr>
+        <p:style>
+          <a:lnRef idx="2">
+            <a:schemeClr val="accent1">
+              <a:shade val="50000"/>
+            </a:schemeClr>
+          </a:lnRef>
+          <a:fillRef idx="1">
+            <a:schemeClr val="accent1"/>
+          </a:fillRef>
+          <a:effectRef idx="0">
+            <a:schemeClr val="accent1"/>
+          </a:effectRef>
+          <a:fontRef idx="minor">
+            <a:schemeClr val="lt1"/>
+          </a:fontRef>
+        </p:style>
+        <p:txBody>
+          <a:bodyPr rtlCol="0" anchor="ctr"/>
+          <a:lstStyle/>
+          <a:p>
+            <a:pPr algn="ctr"/>
+            <a:r>
+              <a:rPr lang="en-US" sz="1400" dirty="0" smtClean="0"/>
+              <a:t>Code type=action with type</a:t>
+            </a:r>
+            <a:endParaRPr lang="en-US" sz="1400" dirty="0" smtClean="0"/>
+          </a:p>
+        </p:txBody>
+      </p:sp>
+      <p:cxnSp>
+        <p:nvCxnSpPr>
+          <p:cNvPr id="22" name="21 Conector angular"/>
+          <p:cNvCxnSpPr>
+            <a:stCxn id="14" idx="1"/>
+            <a:endCxn id="20" idx="1"/>
+          </p:cNvCxnSpPr>
+          <p:nvPr/>
+        </p:nvCxnSpPr>
+        <p:spPr>
+          <a:xfrm rot="10800000" flipH="1" flipV="1">
+            <a:off x="846800" y="2438400"/>
+            <a:ext cx="165574" cy="1066800"/>
+          </a:xfrm>
+          <a:prstGeom prst="bentConnector3">
+            <a:avLst>
+              <a:gd name="adj1" fmla="val -138065"/>
+            </a:avLst>
+          </a:prstGeom>
+          <a:ln>
+            <a:tailEnd type="arrow"/>
+          </a:ln>
+        </p:spPr>
+        <p:style>
+          <a:lnRef idx="1">
+            <a:schemeClr val="accent1"/>
+          </a:lnRef>
+          <a:fillRef idx="0">
+            <a:schemeClr val="accent1"/>
+          </a:fillRef>
+          <a:effectRef idx="0">
+            <a:schemeClr val="accent1"/>
+          </a:effectRef>
+          <a:fontRef idx="minor">
+            <a:schemeClr val="tx1"/>
+          </a:fontRef>
+        </p:style>
+      </p:cxnSp>
+      <p:sp>
+        <p:nvSpPr>
+          <p:cNvPr id="31" name="30 Decisión"/>
+          <p:cNvSpPr/>
+          <p:nvPr/>
+        </p:nvSpPr>
+        <p:spPr>
+          <a:xfrm>
+            <a:off x="1073572" y="4266709"/>
+            <a:ext cx="5562599" cy="1167745"/>
+          </a:xfrm>
+          <a:prstGeom prst="flowChartDecision">
+            <a:avLst/>
+          </a:prstGeom>
+        </p:spPr>
+        <p:style>
+          <a:lnRef idx="2">
+            <a:schemeClr val="accent1">
+              <a:shade val="50000"/>
+            </a:schemeClr>
+          </a:lnRef>
+          <a:fillRef idx="1">
+            <a:schemeClr val="accent1"/>
+          </a:fillRef>
+          <a:effectRef idx="0">
+            <a:schemeClr val="accent1"/>
+          </a:effectRef>
+          <a:fontRef idx="minor">
+            <a:schemeClr val="lt1"/>
+          </a:fontRef>
+        </p:style>
+        <p:txBody>
+          <a:bodyPr rtlCol="0" anchor="ctr"/>
+          <a:lstStyle/>
+          <a:p>
+            <a:pPr algn="ctr"/>
+            <a:r>
+              <a:rPr lang="en-US" sz="1400" dirty="0" smtClean="0"/>
+              <a:t>Code type = action type parameters</a:t>
+            </a:r>
+            <a:endParaRPr lang="en-US" sz="1400" dirty="0" smtClean="0"/>
+          </a:p>
+        </p:txBody>
+      </p:sp>
+      <p:cxnSp>
+        <p:nvCxnSpPr>
+          <p:cNvPr id="33" name="32 Conector angular"/>
+          <p:cNvCxnSpPr>
+            <a:stCxn id="20" idx="1"/>
+            <a:endCxn id="31" idx="1"/>
+          </p:cNvCxnSpPr>
+          <p:nvPr/>
+        </p:nvCxnSpPr>
+        <p:spPr>
+          <a:xfrm rot="10800000" flipH="1" flipV="1">
+            <a:off x="1012374" y="3505200"/>
+            <a:ext cx="61198" cy="1345382"/>
+          </a:xfrm>
+          <a:prstGeom prst="bentConnector3">
+            <a:avLst>
+              <a:gd name="adj1" fmla="val -373542"/>
+            </a:avLst>
+          </a:prstGeom>
+          <a:ln>
+            <a:tailEnd type="arrow"/>
+          </a:ln>
+        </p:spPr>
+        <p:style>
+          <a:lnRef idx="1">
+            <a:schemeClr val="accent1"/>
+          </a:lnRef>
+          <a:fillRef idx="0">
+            <a:schemeClr val="accent1"/>
+          </a:fillRef>
+          <a:effectRef idx="0">
+            <a:schemeClr val="accent1"/>
+          </a:effectRef>
+          <a:fontRef idx="minor">
+            <a:schemeClr val="tx1"/>
+          </a:fontRef>
+        </p:style>
+      </p:cxnSp>
+      <p:sp>
+        <p:nvSpPr>
+          <p:cNvPr id="42" name="41 Elipse"/>
+          <p:cNvSpPr/>
+          <p:nvPr/>
+        </p:nvSpPr>
+        <p:spPr>
+          <a:xfrm>
+            <a:off x="7833753" y="379120"/>
+            <a:ext cx="1139047" cy="914399"/>
+          </a:xfrm>
+          <a:prstGeom prst="ellipse">
+            <a:avLst/>
+          </a:prstGeom>
+        </p:spPr>
+        <p:style>
+          <a:lnRef idx="2">
+            <a:schemeClr val="accent1">
+              <a:shade val="50000"/>
+            </a:schemeClr>
+          </a:lnRef>
+          <a:fillRef idx="1">
+            <a:schemeClr val="accent1"/>
+          </a:fillRef>
+          <a:effectRef idx="0">
+            <a:schemeClr val="accent1"/>
+          </a:effectRef>
+          <a:fontRef idx="minor">
+            <a:schemeClr val="lt1"/>
+          </a:fontRef>
+        </p:style>
+        <p:txBody>
+          <a:bodyPr rtlCol="0" anchor="ctr"/>
+          <a:lstStyle/>
+          <a:p>
+            <a:pPr algn="ctr"/>
+            <a:r>
+              <a:rPr lang="en-US" dirty="0"/>
+              <a:t>Exit Shell</a:t>
+            </a:r>
+            <a:endParaRPr lang="en-US" dirty="0"/>
+          </a:p>
+        </p:txBody>
+      </p:sp>
+      <p:sp>
+        <p:nvSpPr>
+          <p:cNvPr id="43" name="42 Rectángulo"/>
+          <p:cNvSpPr/>
+          <p:nvPr/>
+        </p:nvSpPr>
+        <p:spPr>
+          <a:xfrm>
+            <a:off x="6248400" y="5486400"/>
+            <a:ext cx="2377047" cy="990600"/>
+          </a:xfrm>
+          <a:prstGeom prst="rect">
+            <a:avLst/>
+          </a:prstGeom>
+        </p:spPr>
+        <p:style>
+          <a:lnRef idx="2">
+            <a:schemeClr val="accent1">
+              <a:shade val="50000"/>
+            </a:schemeClr>
+          </a:lnRef>
+          <a:fillRef idx="1">
+            <a:schemeClr val="accent1"/>
+          </a:fillRef>
+          <a:effectRef idx="0">
+            <a:schemeClr val="accent1"/>
+          </a:effectRef>
+          <a:fontRef idx="minor">
+            <a:schemeClr val="lt1"/>
+          </a:fontRef>
+        </p:style>
+        <p:txBody>
+          <a:bodyPr rtlCol="0" anchor="ctr"/>
+          <a:lstStyle/>
+          <a:p>
+            <a:pPr algn="ctr"/>
+            <a:r>
+              <a:rPr lang="en-US" dirty="0" smtClean="0"/>
+              <a:t>Display Error</a:t>
+            </a:r>
+            <a:endParaRPr lang="en-US" dirty="0"/>
+          </a:p>
+        </p:txBody>
+      </p:sp>
+      <p:cxnSp>
+        <p:nvCxnSpPr>
+          <p:cNvPr id="46" name="45 Conector angular"/>
+          <p:cNvCxnSpPr>
+            <a:stCxn id="43" idx="3"/>
+            <a:endCxn id="42" idx="4"/>
+          </p:cNvCxnSpPr>
+          <p:nvPr/>
+        </p:nvCxnSpPr>
+        <p:spPr>
+          <a:xfrm flipH="1" flipV="1">
+            <a:off x="8403277" y="1293519"/>
+            <a:ext cx="222170" cy="4688181"/>
+          </a:xfrm>
+          <a:prstGeom prst="bentConnector4">
+            <a:avLst>
+              <a:gd name="adj1" fmla="val -102894"/>
+              <a:gd name="adj2" fmla="val 55282"/>
+            </a:avLst>
+          </a:prstGeom>
+          <a:ln>
+            <a:tailEnd type="arrow"/>
+          </a:ln>
+        </p:spPr>
+        <p:style>
+          <a:lnRef idx="1">
+            <a:schemeClr val="accent1"/>
+          </a:lnRef>
+          <a:fillRef idx="0">
+            <a:schemeClr val="accent1"/>
+          </a:fillRef>
+          <a:effectRef idx="0">
+            <a:schemeClr val="accent1"/>
+          </a:effectRef>
+          <a:fontRef idx="minor">
+            <a:schemeClr val="tx1"/>
+          </a:fontRef>
+        </p:style>
+      </p:cxnSp>
+      <p:cxnSp>
+        <p:nvCxnSpPr>
+          <p:cNvPr id="52" name="51 Conector angular"/>
+          <p:cNvCxnSpPr>
+            <a:stCxn id="31" idx="1"/>
+            <a:endCxn id="43" idx="1"/>
+          </p:cNvCxnSpPr>
+          <p:nvPr/>
+        </p:nvCxnSpPr>
+        <p:spPr>
+          <a:xfrm rot="10800000" flipH="1" flipV="1">
+            <a:off x="1073572" y="4850582"/>
+            <a:ext cx="5174828" cy="1131118"/>
+          </a:xfrm>
+          <a:prstGeom prst="bentConnector3">
+            <a:avLst>
+              <a:gd name="adj1" fmla="val -4418"/>
+            </a:avLst>
+          </a:prstGeom>
+          <a:ln>
+            <a:tailEnd type="arrow"/>
+          </a:ln>
+        </p:spPr>
+        <p:style>
+          <a:lnRef idx="1">
+            <a:schemeClr val="accent1"/>
+          </a:lnRef>
+          <a:fillRef idx="0">
+            <a:schemeClr val="accent1"/>
+          </a:fillRef>
+          <a:effectRef idx="0">
+            <a:schemeClr val="accent1"/>
+          </a:effectRef>
+          <a:fontRef idx="minor">
+            <a:schemeClr val="tx1"/>
+          </a:fontRef>
+        </p:style>
+      </p:cxnSp>
+      <p:sp>
+        <p:nvSpPr>
+          <p:cNvPr id="53" name="52 Rectángulo"/>
+          <p:cNvSpPr/>
+          <p:nvPr/>
+        </p:nvSpPr>
+        <p:spPr>
+          <a:xfrm>
+            <a:off x="5976254" y="2933700"/>
+            <a:ext cx="1828800" cy="1143000"/>
+          </a:xfrm>
+          <a:prstGeom prst="rect">
+            <a:avLst/>
+          </a:prstGeom>
+        </p:spPr>
+        <p:style>
+          <a:lnRef idx="2">
+            <a:schemeClr val="accent1">
+              <a:shade val="50000"/>
+            </a:schemeClr>
+          </a:lnRef>
+          <a:fillRef idx="1">
+            <a:schemeClr val="accent1"/>
+          </a:fillRef>
+          <a:effectRef idx="0">
+            <a:schemeClr val="accent1"/>
+          </a:effectRef>
+          <a:fontRef idx="minor">
+            <a:schemeClr val="lt1"/>
+          </a:fontRef>
+        </p:style>
+        <p:txBody>
+          <a:bodyPr rtlCol="0" anchor="ctr"/>
+          <a:lstStyle/>
+          <a:p>
+            <a:pPr algn="ctr"/>
+            <a:r>
+              <a:rPr lang="en-US" dirty="0" smtClean="0"/>
+              <a:t>Run Code</a:t>
+            </a:r>
+            <a:endParaRPr lang="en-US" dirty="0"/>
+          </a:p>
+        </p:txBody>
+      </p:sp>
+      <p:cxnSp>
+        <p:nvCxnSpPr>
+          <p:cNvPr id="55" name="54 Conector recto de flecha"/>
+          <p:cNvCxnSpPr>
+            <a:stCxn id="20" idx="3"/>
+            <a:endCxn id="53" idx="1"/>
+          </p:cNvCxnSpPr>
+          <p:nvPr/>
+        </p:nvCxnSpPr>
+        <p:spPr>
+          <a:xfrm>
+            <a:off x="4846620" y="3505200"/>
+            <a:ext cx="1129634" cy="0"/>
+          </a:xfrm>
+          <a:prstGeom prst="straightConnector1">
+            <a:avLst/>
+          </a:prstGeom>
+          <a:ln>
+            <a:tailEnd type="arrow"/>
+          </a:ln>
+        </p:spPr>
+        <p:style>
+          <a:lnRef idx="1">
+            <a:schemeClr val="accent1"/>
+          </a:lnRef>
+          <a:fillRef idx="0">
+            <a:schemeClr val="accent1"/>
+          </a:fillRef>
+          <a:effectRef idx="0">
+            <a:schemeClr val="accent1"/>
+          </a:effectRef>
+          <a:fontRef idx="minor">
+            <a:schemeClr val="tx1"/>
+          </a:fontRef>
+        </p:style>
+      </p:cxnSp>
+      <p:cxnSp>
+        <p:nvCxnSpPr>
+          <p:cNvPr id="57" name="56 Conector recto de flecha"/>
+          <p:cNvCxnSpPr>
+            <a:stCxn id="31" idx="3"/>
+            <a:endCxn id="53" idx="2"/>
+          </p:cNvCxnSpPr>
+          <p:nvPr/>
+        </p:nvCxnSpPr>
+        <p:spPr>
+          <a:xfrm flipV="1">
+            <a:off x="6636171" y="4076700"/>
+            <a:ext cx="254483" cy="773882"/>
+          </a:xfrm>
+          <a:prstGeom prst="straightConnector1">
+            <a:avLst/>
+          </a:prstGeom>
+          <a:ln>
+            <a:tailEnd type="arrow"/>
+          </a:ln>
+        </p:spPr>
+        <p:style>
+          <a:lnRef idx="1">
+            <a:schemeClr val="accent1"/>
+          </a:lnRef>
+          <a:fillRef idx="0">
+            <a:schemeClr val="accent1"/>
+          </a:fillRef>
+          <a:effectRef idx="0">
+            <a:schemeClr val="accent1"/>
+          </a:effectRef>
+          <a:fontRef idx="minor">
+            <a:schemeClr val="tx1"/>
+          </a:fontRef>
+        </p:style>
+      </p:cxnSp>
+      <p:cxnSp>
+        <p:nvCxnSpPr>
+          <p:cNvPr id="59" name="58 Conector angular"/>
+          <p:cNvCxnSpPr>
+            <a:stCxn id="14" idx="3"/>
+            <a:endCxn id="53" idx="0"/>
+          </p:cNvCxnSpPr>
+          <p:nvPr/>
+        </p:nvCxnSpPr>
+        <p:spPr>
+          <a:xfrm>
+            <a:off x="4681046" y="2438400"/>
+            <a:ext cx="2209608" cy="495300"/>
+          </a:xfrm>
+          <a:prstGeom prst="bentConnector2">
+            <a:avLst/>
+          </a:prstGeom>
+          <a:ln>
+            <a:tailEnd type="arrow"/>
+          </a:ln>
+        </p:spPr>
+        <p:style>
+          <a:lnRef idx="1">
+            <a:schemeClr val="accent1"/>
+          </a:lnRef>
+          <a:fillRef idx="0">
+            <a:schemeClr val="accent1"/>
+          </a:fillRef>
+          <a:effectRef idx="0">
+            <a:schemeClr val="accent1"/>
+          </a:effectRef>
+          <a:fontRef idx="minor">
+            <a:schemeClr val="tx1"/>
+          </a:fontRef>
+        </p:style>
+      </p:cxnSp>
+      <p:cxnSp>
+        <p:nvCxnSpPr>
+          <p:cNvPr id="67" name="66 Conector angular"/>
+          <p:cNvCxnSpPr>
+            <a:stCxn id="53" idx="3"/>
+            <a:endCxn id="42" idx="3"/>
+          </p:cNvCxnSpPr>
+          <p:nvPr/>
+        </p:nvCxnSpPr>
+        <p:spPr>
+          <a:xfrm flipV="1">
+            <a:off x="7805054" y="1159608"/>
+            <a:ext cx="195509" cy="2345592"/>
+          </a:xfrm>
+          <a:prstGeom prst="bentConnector2">
+            <a:avLst/>
+          </a:prstGeom>
+          <a:ln>
+            <a:tailEnd type="arrow"/>
+          </a:ln>
+        </p:spPr>
+        <p:style>
+          <a:lnRef idx="1">
+            <a:schemeClr val="accent1"/>
+          </a:lnRef>
+          <a:fillRef idx="0">
+            <a:schemeClr val="accent1"/>
+          </a:fillRef>
+          <a:effectRef idx="0">
+            <a:schemeClr val="accent1"/>
+          </a:effectRef>
+          <a:fontRef idx="minor">
+            <a:schemeClr val="tx1"/>
+          </a:fontRef>
+        </p:style>
+      </p:cxnSp>
+      <p:sp>
+        <p:nvSpPr>
+          <p:cNvPr id="74" name="73 Título"/>
+          <p:cNvSpPr>
+            <a:spLocks noGrp="1"/>
+          </p:cNvSpPr>
+          <p:nvPr>
+            <p:ph type="title"/>
+          </p:nvPr>
+        </p:nvSpPr>
+        <p:spPr>
+          <a:xfrm>
+            <a:off x="4495800" y="264819"/>
+            <a:ext cx="3130991" cy="1143000"/>
+          </a:xfrm>
+        </p:spPr>
+        <p:txBody>
+          <a:bodyPr/>
+          <a:lstStyle/>
+          <a:p>
+            <a:r>
+              <a:rPr lang="en-US" dirty="0" smtClean="0"/>
+              <a:t>Code Parser</a:t>
+            </a:r>
+            <a:endParaRPr lang="en-US" dirty="0"/>
+          </a:p>
+        </p:txBody>
+      </p:sp>
+    </p:spTree>
+    <p:extLst>
+      <p:ext uri="{BB962C8B-B14F-4D97-AF65-F5344CB8AC3E}">
+        <p14:creationId xmlns:p14="http://schemas.microsoft.com/office/powerpoint/2010/main" val="2906114294"/>
+      </p:ext>
+    </p:extLst>
+  </p:cSld>
+  <p:clrMapOvr>
+    <a:masterClrMapping/>
+  </p:clrMapOvr>
+  <p:timing>
+    <p:tnLst>
+      <p:par>
+        <p:cTn id="1" dur="indefinite" restart="never" nodeType="tmRoot"/>
+      </p:par>
+    </p:tnLst>
+  </p:timing>
+</p:sld>
+</file>
+
+<file path=ppt/slides/slide5.xml><?xml version="1.0" encoding="utf-8"?>
+<p:sld xmlns:a="http://schemas.openxmlformats.org/drawingml/2006/main" xmlns:r="http://schemas.openxmlformats.org/officeDocument/2006/relationships" xmlns:p="http://schemas.openxmlformats.org/presentationml/2006/main">
+  <p:cSld>
+    <p:spTree>
+      <p:nvGrpSpPr>
+        <p:cNvPr id="1" name=""/>
+        <p:cNvGrpSpPr/>
+        <p:nvPr/>
+      </p:nvGrpSpPr>
+      <p:grpSpPr>
+        <a:xfrm>
+          <a:off x="0" y="0"/>
+          <a:ext cx="0" cy="0"/>
+          <a:chOff x="0" y="0"/>
+          <a:chExt cx="0" cy="0"/>
+        </a:xfrm>
+      </p:grpSpPr>
+    </p:spTree>
+    <p:extLst>
+      <p:ext uri="{BB962C8B-B14F-4D97-AF65-F5344CB8AC3E}">
+        <p14:creationId xmlns:p14="http://schemas.microsoft.com/office/powerpoint/2010/main" val="1828178287"/>
+      </p:ext>
+    </p:extLst>
+  </p:cSld>
+  <p:clrMapOvr>
+    <a:masterClrMapping/>
+  </p:clrMapOvr>
+  <p:timing>
+    <p:tnLst>
+      <p:par>
+        <p:cTn id="1" dur="indefinite" restart="never" nodeType="tmRoot"/>
+      </p:par>
+    </p:tnLst>
+  </p:timing>
+</p:sld>
+</file>
+
+<file path=ppt/slides/slide6.xml><?xml version="1.0" encoding="utf-8"?>
 <p:sld xmlns:a="http://schemas.openxmlformats.org/drawingml/2006/main" xmlns:r="http://schemas.openxmlformats.org/officeDocument/2006/relationships" xmlns:p="http://schemas.openxmlformats.org/presentationml/2006/main">
   <p:cSld>
     <p:spTree>
@@ -6234,4 +8465,289 @@
   <a:objectDefaults/>
   <a:extraClrSchemeLst/>
 </a:theme>
+</file>
+
+<file path=ppt/theme/theme2.xml><?xml version="1.0" encoding="utf-8"?>
+<a:theme xmlns:a="http://schemas.openxmlformats.org/drawingml/2006/main" name="Tema de Office">
+  <a:themeElements>
+    <a:clrScheme name="Office">
+      <a:dk1>
+        <a:sysClr val="windowText" lastClr="000000"/>
+      </a:dk1>
+      <a:lt1>
+        <a:sysClr val="window" lastClr="FFFFFF"/>
+      </a:lt1>
+      <a:dk2>
+        <a:srgbClr val="1F497D"/>
+      </a:dk2>
+      <a:lt2>
+        <a:srgbClr val="EEECE1"/>
+      </a:lt2>
+      <a:accent1>
+        <a:srgbClr val="4F81BD"/>
+      </a:accent1>
+      <a:accent2>
+        <a:srgbClr val="C0504D"/>
+      </a:accent2>
+      <a:accent3>
+        <a:srgbClr val="9BBB59"/>
+      </a:accent3>
+      <a:accent4>
+        <a:srgbClr val="8064A2"/>
+      </a:accent4>
+      <a:accent5>
+        <a:srgbClr val="4BACC6"/>
+      </a:accent5>
+      <a:accent6>
+        <a:srgbClr val="F79646"/>
+      </a:accent6>
+      <a:hlink>
+        <a:srgbClr val="0000FF"/>
+      </a:hlink>
+      <a:folHlink>
+        <a:srgbClr val="800080"/>
+      </a:folHlink>
+    </a:clrScheme>
+    <a:fontScheme name="Office">
+      <a:majorFont>
+        <a:latin typeface="Calibri"/>
+        <a:ea typeface=""/>
+        <a:cs typeface=""/>
+        <a:font script="Jpan" typeface="ＭＳ Ｐゴシック"/>
+        <a:font script="Hang" typeface="맑은 고딕"/>
+        <a:font script="Hans" typeface="宋体"/>
+        <a:font script="Hant" typeface="新細明體"/>
+        <a:font script="Arab" typeface="Times New Roman"/>
+        <a:font script="Hebr" typeface="Times New Roman"/>
+        <a:font script="Thai" typeface="Angsana New"/>
+        <a:font script="Ethi" typeface="Nyala"/>
+        <a:font script="Beng" typeface="Vrinda"/>
+        <a:font script="Gujr" typeface="Shruti"/>
+        <a:font script="Khmr" typeface="MoolBoran"/>
+        <a:font script="Knda" typeface="Tunga"/>
+        <a:font script="Guru" typeface="Raavi"/>
+        <a:font script="Cans" typeface="Euphemia"/>
+        <a:font script="Cher" typeface="Plantagenet Cherokee"/>
+        <a:font script="Yiii" typeface="Microsoft Yi Baiti"/>
+        <a:font script="Tibt" typeface="Microsoft Himalaya"/>
+        <a:font script="Thaa" typeface="MV Boli"/>
+        <a:font script="Deva" typeface="Mangal"/>
+        <a:font script="Telu" typeface="Gautami"/>
+        <a:font script="Taml" typeface="Latha"/>
+        <a:font script="Syrc" typeface="Estrangelo Edessa"/>
+        <a:font script="Orya" typeface="Kalinga"/>
+        <a:font script="Mlym" typeface="Kartika"/>
+        <a:font script="Laoo" typeface="DokChampa"/>
+        <a:font script="Sinh" typeface="Iskoola Pota"/>
+        <a:font script="Mong" typeface="Mongolian Baiti"/>
+        <a:font script="Viet" typeface="Times New Roman"/>
+        <a:font script="Uigh" typeface="Microsoft Uighur"/>
+        <a:font script="Geor" typeface="Sylfaen"/>
+      </a:majorFont>
+      <a:minorFont>
+        <a:latin typeface="Calibri"/>
+        <a:ea typeface=""/>
+        <a:cs typeface=""/>
+        <a:font script="Jpan" typeface="ＭＳ Ｐゴシック"/>
+        <a:font script="Hang" typeface="맑은 고딕"/>
+        <a:font script="Hans" typeface="宋体"/>
+        <a:font script="Hant" typeface="新細明體"/>
+        <a:font script="Arab" typeface="Arial"/>
+        <a:font script="Hebr" typeface="Arial"/>
+        <a:font script="Thai" typeface="Cordia New"/>
+        <a:font script="Ethi" typeface="Nyala"/>
+        <a:font script="Beng" typeface="Vrinda"/>
+        <a:font script="Gujr" typeface="Shruti"/>
+        <a:font script="Khmr" typeface="DaunPenh"/>
+        <a:font script="Knda" typeface="Tunga"/>
+        <a:font script="Guru" typeface="Raavi"/>
+        <a:font script="Cans" typeface="Euphemia"/>
+        <a:font script="Cher" typeface="Plantagenet Cherokee"/>
+        <a:font script="Yiii" typeface="Microsoft Yi Baiti"/>
+        <a:font script="Tibt" typeface="Microsoft Himalaya"/>
+        <a:font script="Thaa" typeface="MV Boli"/>
+        <a:font script="Deva" typeface="Mangal"/>
+        <a:font script="Telu" typeface="Gautami"/>
+        <a:font script="Taml" typeface="Latha"/>
+        <a:font script="Syrc" typeface="Estrangelo Edessa"/>
+        <a:font script="Orya" typeface="Kalinga"/>
+        <a:font script="Mlym" typeface="Kartika"/>
+        <a:font script="Laoo" typeface="DokChampa"/>
+        <a:font script="Sinh" typeface="Iskoola Pota"/>
+        <a:font script="Mong" typeface="Mongolian Baiti"/>
+        <a:font script="Viet" typeface="Arial"/>
+        <a:font script="Uigh" typeface="Microsoft Uighur"/>
+        <a:font script="Geor" typeface="Sylfaen"/>
+      </a:minorFont>
+    </a:fontScheme>
+    <a:fmtScheme name="Office">
+      <a:fillStyleLst>
+        <a:solidFill>
+          <a:schemeClr val="phClr"/>
+        </a:solidFill>
+        <a:gradFill rotWithShape="1">
+          <a:gsLst>
+            <a:gs pos="0">
+              <a:schemeClr val="phClr">
+                <a:tint val="50000"/>
+                <a:satMod val="300000"/>
+              </a:schemeClr>
+            </a:gs>
+            <a:gs pos="35000">
+              <a:schemeClr val="phClr">
+                <a:tint val="37000"/>
+                <a:satMod val="300000"/>
+              </a:schemeClr>
+            </a:gs>
+            <a:gs pos="100000">
+              <a:schemeClr val="phClr">
+                <a:tint val="15000"/>
+                <a:satMod val="350000"/>
+              </a:schemeClr>
+            </a:gs>
+          </a:gsLst>
+          <a:lin ang="16200000" scaled="1"/>
+        </a:gradFill>
+        <a:gradFill rotWithShape="1">
+          <a:gsLst>
+            <a:gs pos="0">
+              <a:schemeClr val="phClr">
+                <a:shade val="51000"/>
+                <a:satMod val="130000"/>
+              </a:schemeClr>
+            </a:gs>
+            <a:gs pos="80000">
+              <a:schemeClr val="phClr">
+                <a:shade val="93000"/>
+                <a:satMod val="130000"/>
+              </a:schemeClr>
+            </a:gs>
+            <a:gs pos="100000">
+              <a:schemeClr val="phClr">
+                <a:shade val="94000"/>
+                <a:satMod val="135000"/>
+              </a:schemeClr>
+            </a:gs>
+          </a:gsLst>
+          <a:lin ang="16200000" scaled="0"/>
+        </a:gradFill>
+      </a:fillStyleLst>
+      <a:lnStyleLst>
+        <a:ln w="9525" cap="flat" cmpd="sng" algn="ctr">
+          <a:solidFill>
+            <a:schemeClr val="phClr">
+              <a:shade val="95000"/>
+              <a:satMod val="105000"/>
+            </a:schemeClr>
+          </a:solidFill>
+          <a:prstDash val="solid"/>
+        </a:ln>
+        <a:ln w="25400" cap="flat" cmpd="sng" algn="ctr">
+          <a:solidFill>
+            <a:schemeClr val="phClr"/>
+          </a:solidFill>
+          <a:prstDash val="solid"/>
+        </a:ln>
+        <a:ln w="38100" cap="flat" cmpd="sng" algn="ctr">
+          <a:solidFill>
+            <a:schemeClr val="phClr"/>
+          </a:solidFill>
+          <a:prstDash val="solid"/>
+        </a:ln>
+      </a:lnStyleLst>
+      <a:effectStyleLst>
+        <a:effectStyle>
+          <a:effectLst>
+            <a:outerShdw blurRad="40000" dist="20000" dir="5400000" rotWithShape="0">
+              <a:srgbClr val="000000">
+                <a:alpha val="38000"/>
+              </a:srgbClr>
+            </a:outerShdw>
+          </a:effectLst>
+        </a:effectStyle>
+        <a:effectStyle>
+          <a:effectLst>
+            <a:outerShdw blurRad="40000" dist="23000" dir="5400000" rotWithShape="0">
+              <a:srgbClr val="000000">
+                <a:alpha val="35000"/>
+              </a:srgbClr>
+            </a:outerShdw>
+          </a:effectLst>
+        </a:effectStyle>
+        <a:effectStyle>
+          <a:effectLst>
+            <a:outerShdw blurRad="40000" dist="23000" dir="5400000" rotWithShape="0">
+              <a:srgbClr val="000000">
+                <a:alpha val="35000"/>
+              </a:srgbClr>
+            </a:outerShdw>
+          </a:effectLst>
+          <a:scene3d>
+            <a:camera prst="orthographicFront">
+              <a:rot lat="0" lon="0" rev="0"/>
+            </a:camera>
+            <a:lightRig rig="threePt" dir="t">
+              <a:rot lat="0" lon="0" rev="1200000"/>
+            </a:lightRig>
+          </a:scene3d>
+          <a:sp3d>
+            <a:bevelT w="63500" h="25400"/>
+          </a:sp3d>
+        </a:effectStyle>
+      </a:effectStyleLst>
+      <a:bgFillStyleLst>
+        <a:solidFill>
+          <a:schemeClr val="phClr"/>
+        </a:solidFill>
+        <a:gradFill rotWithShape="1">
+          <a:gsLst>
+            <a:gs pos="0">
+              <a:schemeClr val="phClr">
+                <a:tint val="40000"/>
+                <a:satMod val="350000"/>
+              </a:schemeClr>
+            </a:gs>
+            <a:gs pos="40000">
+              <a:schemeClr val="phClr">
+                <a:tint val="45000"/>
+                <a:shade val="99000"/>
+                <a:satMod val="350000"/>
+              </a:schemeClr>
+            </a:gs>
+            <a:gs pos="100000">
+              <a:schemeClr val="phClr">
+                <a:shade val="20000"/>
+                <a:satMod val="255000"/>
+              </a:schemeClr>
+            </a:gs>
+          </a:gsLst>
+          <a:path path="circle">
+            <a:fillToRect l="50000" t="-80000" r="50000" b="180000"/>
+          </a:path>
+        </a:gradFill>
+        <a:gradFill rotWithShape="1">
+          <a:gsLst>
+            <a:gs pos="0">
+              <a:schemeClr val="phClr">
+                <a:tint val="80000"/>
+                <a:satMod val="300000"/>
+              </a:schemeClr>
+            </a:gs>
+            <a:gs pos="100000">
+              <a:schemeClr val="phClr">
+                <a:shade val="30000"/>
+                <a:satMod val="200000"/>
+              </a:schemeClr>
+            </a:gs>
+          </a:gsLst>
+          <a:path path="circle">
+            <a:fillToRect l="50000" t="50000" r="50000" b="50000"/>
+          </a:path>
+        </a:gradFill>
+      </a:bgFillStyleLst>
+    </a:fmtScheme>
+  </a:themeElements>
+  <a:objectDefaults/>
+  <a:extraClrSchemeLst/>
+</a:theme>
 </file>
--- a/Documentation/QuickToolsScript_Schema.pptx
+++ b/Documentation/QuickToolsScript_Schema.pptx
@@ -5,7 +5,7 @@
     <p:sldMasterId id="2147483660" r:id="rId1"/>
   </p:sldMasterIdLst>
   <p:notesMasterIdLst>
-    <p:notesMasterId r:id="rId8"/>
+    <p:notesMasterId r:id="rId9"/>
   </p:notesMasterIdLst>
   <p:sldIdLst>
     <p:sldId id="256" r:id="rId2"/>
@@ -13,7 +13,8 @@
     <p:sldId id="259" r:id="rId4"/>
     <p:sldId id="260" r:id="rId5"/>
     <p:sldId id="261" r:id="rId6"/>
-    <p:sldId id="258" r:id="rId7"/>
+    <p:sldId id="262" r:id="rId7"/>
+    <p:sldId id="258" r:id="rId8"/>
   </p:sldIdLst>
   <p:sldSz cx="9144000" cy="6858000" type="screen4x3"/>
   <p:notesSz cx="9144000" cy="6858000"/>
@@ -6648,8 +6649,8 @@
         </p:nvSpPr>
         <p:spPr>
           <a:xfrm>
-            <a:off x="7833753" y="379120"/>
-            <a:ext cx="1139047" cy="914399"/>
+            <a:off x="6705600" y="217221"/>
+            <a:ext cx="1810000" cy="914399"/>
           </a:xfrm>
           <a:prstGeom prst="ellipse">
             <a:avLst/>
@@ -6677,8 +6678,8 @@
           <a:p>
             <a:pPr algn="ctr"/>
             <a:r>
-              <a:rPr lang="en-US" dirty="0"/>
-              <a:t>Exit Shell</a:t>
+              <a:rPr lang="en-US" dirty="0" smtClean="0"/>
+              <a:t>Exit Shell Input</a:t>
             </a:r>
             <a:endParaRPr lang="en-US" dirty="0"/>
           </a:p>
@@ -6852,12 +6853,15 @@
           <p:nvPr/>
         </p:nvCxnSpPr>
         <p:spPr>
-          <a:xfrm flipV="1">
-            <a:off x="8229600" y="1293519"/>
-            <a:ext cx="173677" cy="887582"/>
-          </a:xfrm>
-          <a:prstGeom prst="bentConnector2">
-            <a:avLst/>
+          <a:xfrm flipH="1" flipV="1">
+            <a:off x="7610600" y="1131620"/>
+            <a:ext cx="619000" cy="1049481"/>
+          </a:xfrm>
+          <a:prstGeom prst="bentConnector4">
+            <a:avLst>
+              <a:gd name="adj1" fmla="val -36931"/>
+              <a:gd name="adj2" fmla="val 62706"/>
+            </a:avLst>
           </a:prstGeom>
           <a:ln>
             <a:tailEnd type="arrow"/>
@@ -7088,13 +7092,13 @@
         </p:nvCxnSpPr>
         <p:spPr>
           <a:xfrm rot="5400000" flipH="1" flipV="1">
-            <a:off x="2978198" y="-339474"/>
-            <a:ext cx="4818808" cy="7170396"/>
+            <a:off x="2668648" y="-191823"/>
+            <a:ext cx="4980707" cy="6713196"/>
           </a:xfrm>
           <a:prstGeom prst="bentConnector4">
             <a:avLst>
-              <a:gd name="adj1" fmla="val -7948"/>
-              <a:gd name="adj2" fmla="val 99710"/>
+              <a:gd name="adj1" fmla="val -4590"/>
+              <a:gd name="adj2" fmla="val 103405"/>
             </a:avLst>
           </a:prstGeom>
           <a:ln>
@@ -7604,8 +7608,8 @@
         </p:nvSpPr>
         <p:spPr>
           <a:xfrm>
-            <a:off x="7833753" y="379120"/>
-            <a:ext cx="1139047" cy="914399"/>
+            <a:off x="7696201" y="379120"/>
+            <a:ext cx="1276600" cy="914399"/>
           </a:xfrm>
           <a:prstGeom prst="ellipse">
             <a:avLst/>
@@ -7633,8 +7637,8 @@
           <a:p>
             <a:pPr algn="ctr"/>
             <a:r>
-              <a:rPr lang="en-US" dirty="0"/>
-              <a:t>Exit Shell</a:t>
+              <a:rPr lang="en-US" dirty="0" smtClean="0"/>
+              <a:t>Exit Parser</a:t>
             </a:r>
             <a:endParaRPr lang="en-US" dirty="0"/>
           </a:p>
@@ -7695,12 +7699,12 @@
         </p:nvCxnSpPr>
         <p:spPr>
           <a:xfrm flipH="1" flipV="1">
-            <a:off x="8403277" y="1293519"/>
-            <a:ext cx="222170" cy="4688181"/>
+            <a:off x="8334501" y="1293519"/>
+            <a:ext cx="290946" cy="4688181"/>
           </a:xfrm>
           <a:prstGeom prst="bentConnector4">
             <a:avLst>
-              <a:gd name="adj1" fmla="val -102894"/>
+              <a:gd name="adj1" fmla="val -78571"/>
               <a:gd name="adj2" fmla="val 55282"/>
             </a:avLst>
           </a:prstGeom>
@@ -7925,7 +7929,7 @@
         <p:spPr>
           <a:xfrm flipV="1">
             <a:off x="7805054" y="1159608"/>
-            <a:ext cx="195509" cy="2345592"/>
+            <a:ext cx="78101" cy="2345592"/>
           </a:xfrm>
           <a:prstGeom prst="bentConnector2">
             <a:avLst/>
@@ -8014,6 +8018,841 @@
           <a:chExt cx="0" cy="0"/>
         </a:xfrm>
       </p:grpSpPr>
+      <p:sp>
+        <p:nvSpPr>
+          <p:cNvPr id="4" name="3 Elipse"/>
+          <p:cNvSpPr/>
+          <p:nvPr/>
+        </p:nvSpPr>
+        <p:spPr>
+          <a:xfrm>
+            <a:off x="381000" y="523504"/>
+            <a:ext cx="762000" cy="457200"/>
+          </a:xfrm>
+          <a:prstGeom prst="ellipse">
+            <a:avLst/>
+          </a:prstGeom>
+        </p:spPr>
+        <p:style>
+          <a:lnRef idx="2">
+            <a:schemeClr val="accent1">
+              <a:shade val="50000"/>
+            </a:schemeClr>
+          </a:lnRef>
+          <a:fillRef idx="1">
+            <a:schemeClr val="accent1"/>
+          </a:fillRef>
+          <a:effectRef idx="0">
+            <a:schemeClr val="accent1"/>
+          </a:effectRef>
+          <a:fontRef idx="minor">
+            <a:schemeClr val="lt1"/>
+          </a:fontRef>
+        </p:style>
+        <p:txBody>
+          <a:bodyPr rtlCol="0" anchor="ctr"/>
+          <a:lstStyle/>
+          <a:p>
+            <a:pPr algn="ctr"/>
+            <a:r>
+              <a:rPr lang="en-US" sz="1200" dirty="0" smtClean="0"/>
+              <a:t>start</a:t>
+            </a:r>
+            <a:endParaRPr lang="en-US" sz="1200" dirty="0"/>
+          </a:p>
+        </p:txBody>
+      </p:sp>
+      <p:sp>
+        <p:nvSpPr>
+          <p:cNvPr id="5" name="4 Título"/>
+          <p:cNvSpPr>
+            <a:spLocks noGrp="1"/>
+          </p:cNvSpPr>
+          <p:nvPr>
+            <p:ph type="title"/>
+          </p:nvPr>
+        </p:nvSpPr>
+        <p:spPr>
+          <a:xfrm>
+            <a:off x="304800" y="5029200"/>
+            <a:ext cx="3505200" cy="1143000"/>
+          </a:xfrm>
+        </p:spPr>
+        <p:txBody>
+          <a:bodyPr>
+            <a:normAutofit/>
+          </a:bodyPr>
+          <a:lstStyle/>
+          <a:p>
+            <a:r>
+              <a:rPr lang="en-US" dirty="0" err="1"/>
+              <a:t>SetExecution</a:t>
+            </a:r>
+            <a:endParaRPr lang="en-US" dirty="0"/>
+          </a:p>
+        </p:txBody>
+      </p:sp>
+      <p:sp>
+        <p:nvSpPr>
+          <p:cNvPr id="10" name="9 Rectángulo"/>
+          <p:cNvSpPr/>
+          <p:nvPr/>
+        </p:nvSpPr>
+        <p:spPr>
+          <a:xfrm>
+            <a:off x="2057400" y="371104"/>
+            <a:ext cx="4114800" cy="762000"/>
+          </a:xfrm>
+          <a:prstGeom prst="rect">
+            <a:avLst/>
+          </a:prstGeom>
+        </p:spPr>
+        <p:style>
+          <a:lnRef idx="2">
+            <a:schemeClr val="accent1">
+              <a:shade val="50000"/>
+            </a:schemeClr>
+          </a:lnRef>
+          <a:fillRef idx="1">
+            <a:schemeClr val="accent1"/>
+          </a:fillRef>
+          <a:effectRef idx="0">
+            <a:schemeClr val="accent1"/>
+          </a:effectRef>
+          <a:fontRef idx="minor">
+            <a:schemeClr val="lt1"/>
+          </a:fontRef>
+        </p:style>
+        <p:txBody>
+          <a:bodyPr rtlCol="0" anchor="ctr"/>
+          <a:lstStyle/>
+          <a:p>
+            <a:pPr algn="ctr"/>
+            <a:r>
+              <a:rPr lang="en-US" dirty="0"/>
+              <a:t>Code: Action Type </a:t>
+            </a:r>
+            <a:r>
+              <a:rPr lang="en-US" dirty="0" smtClean="0"/>
+              <a:t>&amp; Parameter</a:t>
+            </a:r>
+            <a:endParaRPr lang="en-US" dirty="0"/>
+          </a:p>
+        </p:txBody>
+      </p:sp>
+      <p:cxnSp>
+        <p:nvCxnSpPr>
+          <p:cNvPr id="12" name="11 Conector recto de flecha"/>
+          <p:cNvCxnSpPr>
+            <a:stCxn id="4" idx="6"/>
+            <a:endCxn id="10" idx="1"/>
+          </p:cNvCxnSpPr>
+          <p:nvPr/>
+        </p:nvCxnSpPr>
+        <p:spPr>
+          <a:xfrm>
+            <a:off x="1143000" y="752104"/>
+            <a:ext cx="914400" cy="0"/>
+          </a:xfrm>
+          <a:prstGeom prst="straightConnector1">
+            <a:avLst/>
+          </a:prstGeom>
+          <a:ln>
+            <a:tailEnd type="arrow"/>
+          </a:ln>
+        </p:spPr>
+        <p:style>
+          <a:lnRef idx="1">
+            <a:schemeClr val="accent1"/>
+          </a:lnRef>
+          <a:fillRef idx="0">
+            <a:schemeClr val="accent1"/>
+          </a:fillRef>
+          <a:effectRef idx="0">
+            <a:schemeClr val="accent1"/>
+          </a:effectRef>
+          <a:fontRef idx="minor">
+            <a:schemeClr val="tx1"/>
+          </a:fontRef>
+        </p:style>
+      </p:cxnSp>
+      <p:sp>
+        <p:nvSpPr>
+          <p:cNvPr id="14" name="13 Decisión"/>
+          <p:cNvSpPr/>
+          <p:nvPr/>
+        </p:nvSpPr>
+        <p:spPr>
+          <a:xfrm>
+            <a:off x="2514600" y="1600200"/>
+            <a:ext cx="2590800" cy="762000"/>
+          </a:xfrm>
+          <a:prstGeom prst="flowChartDecision">
+            <a:avLst/>
+          </a:prstGeom>
+        </p:spPr>
+        <p:style>
+          <a:lnRef idx="2">
+            <a:schemeClr val="accent1">
+              <a:shade val="50000"/>
+            </a:schemeClr>
+          </a:lnRef>
+          <a:fillRef idx="1">
+            <a:schemeClr val="accent1"/>
+          </a:fillRef>
+          <a:effectRef idx="0">
+            <a:schemeClr val="accent1"/>
+          </a:effectRef>
+          <a:fontRef idx="minor">
+            <a:schemeClr val="lt1"/>
+          </a:fontRef>
+        </p:style>
+        <p:txBody>
+          <a:bodyPr rtlCol="0" anchor="ctr"/>
+          <a:lstStyle/>
+          <a:p>
+            <a:pPr algn="ctr"/>
+            <a:r>
+              <a:rPr lang="en-US" dirty="0" smtClean="0"/>
+              <a:t>Match Action </a:t>
+            </a:r>
+            <a:endParaRPr lang="en-US" dirty="0"/>
+          </a:p>
+        </p:txBody>
+      </p:sp>
+      <p:sp>
+        <p:nvSpPr>
+          <p:cNvPr id="15" name="14 Decisión"/>
+          <p:cNvSpPr/>
+          <p:nvPr/>
+        </p:nvSpPr>
+        <p:spPr>
+          <a:xfrm>
+            <a:off x="2667000" y="2558143"/>
+            <a:ext cx="2590800" cy="762000"/>
+          </a:xfrm>
+          <a:prstGeom prst="flowChartDecision">
+            <a:avLst/>
+          </a:prstGeom>
+        </p:spPr>
+        <p:style>
+          <a:lnRef idx="2">
+            <a:schemeClr val="accent1">
+              <a:shade val="50000"/>
+            </a:schemeClr>
+          </a:lnRef>
+          <a:fillRef idx="1">
+            <a:schemeClr val="accent1"/>
+          </a:fillRef>
+          <a:effectRef idx="0">
+            <a:schemeClr val="accent1"/>
+          </a:effectRef>
+          <a:fontRef idx="minor">
+            <a:schemeClr val="lt1"/>
+          </a:fontRef>
+        </p:style>
+        <p:txBody>
+          <a:bodyPr rtlCol="0" anchor="ctr"/>
+          <a:lstStyle/>
+          <a:p>
+            <a:pPr algn="ctr"/>
+            <a:r>
+              <a:rPr lang="en-US" dirty="0" smtClean="0"/>
+              <a:t>Match Type </a:t>
+            </a:r>
+            <a:endParaRPr lang="en-US" dirty="0"/>
+          </a:p>
+        </p:txBody>
+      </p:sp>
+      <p:sp>
+        <p:nvSpPr>
+          <p:cNvPr id="16" name="15 Decisión"/>
+          <p:cNvSpPr/>
+          <p:nvPr/>
+        </p:nvSpPr>
+        <p:spPr>
+          <a:xfrm>
+            <a:off x="2667000" y="3630386"/>
+            <a:ext cx="2590800" cy="762000"/>
+          </a:xfrm>
+          <a:prstGeom prst="flowChartDecision">
+            <a:avLst/>
+          </a:prstGeom>
+        </p:spPr>
+        <p:style>
+          <a:lnRef idx="2">
+            <a:schemeClr val="accent1">
+              <a:shade val="50000"/>
+            </a:schemeClr>
+          </a:lnRef>
+          <a:fillRef idx="1">
+            <a:schemeClr val="accent1"/>
+          </a:fillRef>
+          <a:effectRef idx="0">
+            <a:schemeClr val="accent1"/>
+          </a:effectRef>
+          <a:fontRef idx="minor">
+            <a:schemeClr val="lt1"/>
+          </a:fontRef>
+        </p:style>
+        <p:txBody>
+          <a:bodyPr rtlCol="0" anchor="ctr"/>
+          <a:lstStyle/>
+          <a:p>
+            <a:pPr algn="ctr"/>
+            <a:r>
+              <a:rPr lang="en-US" dirty="0" smtClean="0"/>
+              <a:t>Match Parameter</a:t>
+            </a:r>
+            <a:endParaRPr lang="en-US" dirty="0"/>
+          </a:p>
+        </p:txBody>
+      </p:sp>
+      <p:cxnSp>
+        <p:nvCxnSpPr>
+          <p:cNvPr id="18" name="17 Conector recto de flecha"/>
+          <p:cNvCxnSpPr>
+            <a:stCxn id="10" idx="2"/>
+            <a:endCxn id="14" idx="0"/>
+          </p:cNvCxnSpPr>
+          <p:nvPr/>
+        </p:nvCxnSpPr>
+        <p:spPr>
+          <a:xfrm flipH="1">
+            <a:off x="3810000" y="1133104"/>
+            <a:ext cx="304800" cy="467096"/>
+          </a:xfrm>
+          <a:prstGeom prst="straightConnector1">
+            <a:avLst/>
+          </a:prstGeom>
+          <a:ln>
+            <a:tailEnd type="arrow"/>
+          </a:ln>
+        </p:spPr>
+        <p:style>
+          <a:lnRef idx="1">
+            <a:schemeClr val="accent1"/>
+          </a:lnRef>
+          <a:fillRef idx="0">
+            <a:schemeClr val="accent1"/>
+          </a:fillRef>
+          <a:effectRef idx="0">
+            <a:schemeClr val="accent1"/>
+          </a:effectRef>
+          <a:fontRef idx="minor">
+            <a:schemeClr val="tx1"/>
+          </a:fontRef>
+        </p:style>
+      </p:cxnSp>
+      <p:cxnSp>
+        <p:nvCxnSpPr>
+          <p:cNvPr id="20" name="19 Conector angular"/>
+          <p:cNvCxnSpPr>
+            <a:stCxn id="14" idx="3"/>
+            <a:endCxn id="15" idx="3"/>
+          </p:cNvCxnSpPr>
+          <p:nvPr/>
+        </p:nvCxnSpPr>
+        <p:spPr>
+          <a:xfrm>
+            <a:off x="5105400" y="1981200"/>
+            <a:ext cx="152400" cy="957943"/>
+          </a:xfrm>
+          <a:prstGeom prst="bentConnector3">
+            <a:avLst>
+              <a:gd name="adj1" fmla="val 250000"/>
+            </a:avLst>
+          </a:prstGeom>
+          <a:ln>
+            <a:tailEnd type="arrow"/>
+          </a:ln>
+        </p:spPr>
+        <p:style>
+          <a:lnRef idx="1">
+            <a:schemeClr val="accent1"/>
+          </a:lnRef>
+          <a:fillRef idx="0">
+            <a:schemeClr val="accent1"/>
+          </a:fillRef>
+          <a:effectRef idx="0">
+            <a:schemeClr val="accent1"/>
+          </a:effectRef>
+          <a:fontRef idx="minor">
+            <a:schemeClr val="tx1"/>
+          </a:fontRef>
+        </p:style>
+      </p:cxnSp>
+      <p:cxnSp>
+        <p:nvCxnSpPr>
+          <p:cNvPr id="22" name="21 Conector angular"/>
+          <p:cNvCxnSpPr>
+            <a:stCxn id="15" idx="3"/>
+            <a:endCxn id="16" idx="3"/>
+          </p:cNvCxnSpPr>
+          <p:nvPr/>
+        </p:nvCxnSpPr>
+        <p:spPr>
+          <a:xfrm>
+            <a:off x="5257800" y="2939143"/>
+            <a:ext cx="12700" cy="1072243"/>
+          </a:xfrm>
+          <a:prstGeom prst="bentConnector3">
+            <a:avLst>
+              <a:gd name="adj1" fmla="val 1800000"/>
+            </a:avLst>
+          </a:prstGeom>
+          <a:ln>
+            <a:tailEnd type="arrow"/>
+          </a:ln>
+        </p:spPr>
+        <p:style>
+          <a:lnRef idx="1">
+            <a:schemeClr val="accent1"/>
+          </a:lnRef>
+          <a:fillRef idx="0">
+            <a:schemeClr val="accent1"/>
+          </a:fillRef>
+          <a:effectRef idx="0">
+            <a:schemeClr val="accent1"/>
+          </a:effectRef>
+          <a:fontRef idx="minor">
+            <a:schemeClr val="tx1"/>
+          </a:fontRef>
+        </p:style>
+      </p:cxnSp>
+      <p:cxnSp>
+        <p:nvCxnSpPr>
+          <p:cNvPr id="24" name="23 Conector angular"/>
+          <p:cNvCxnSpPr>
+            <a:stCxn id="14" idx="1"/>
+            <a:endCxn id="15" idx="1"/>
+          </p:cNvCxnSpPr>
+          <p:nvPr/>
+        </p:nvCxnSpPr>
+        <p:spPr>
+          <a:xfrm rot="10800000" flipH="1" flipV="1">
+            <a:off x="2514600" y="1981199"/>
+            <a:ext cx="152400" cy="957943"/>
+          </a:xfrm>
+          <a:prstGeom prst="bentConnector3">
+            <a:avLst>
+              <a:gd name="adj1" fmla="val -150000"/>
+            </a:avLst>
+          </a:prstGeom>
+          <a:ln>
+            <a:tailEnd type="arrow"/>
+          </a:ln>
+        </p:spPr>
+        <p:style>
+          <a:lnRef idx="1">
+            <a:schemeClr val="accent1"/>
+          </a:lnRef>
+          <a:fillRef idx="0">
+            <a:schemeClr val="accent1"/>
+          </a:fillRef>
+          <a:effectRef idx="0">
+            <a:schemeClr val="accent1"/>
+          </a:effectRef>
+          <a:fontRef idx="minor">
+            <a:schemeClr val="tx1"/>
+          </a:fontRef>
+        </p:style>
+      </p:cxnSp>
+      <p:cxnSp>
+        <p:nvCxnSpPr>
+          <p:cNvPr id="31" name="30 Conector angular"/>
+          <p:cNvCxnSpPr>
+            <a:stCxn id="15" idx="1"/>
+            <a:endCxn id="16" idx="1"/>
+          </p:cNvCxnSpPr>
+          <p:nvPr/>
+        </p:nvCxnSpPr>
+        <p:spPr>
+          <a:xfrm rot="10800000" flipV="1">
+            <a:off x="2667000" y="2939142"/>
+            <a:ext cx="12700" cy="1072243"/>
+          </a:xfrm>
+          <a:prstGeom prst="bentConnector3">
+            <a:avLst>
+              <a:gd name="adj1" fmla="val 1800000"/>
+            </a:avLst>
+          </a:prstGeom>
+          <a:ln>
+            <a:tailEnd type="arrow"/>
+          </a:ln>
+        </p:spPr>
+        <p:style>
+          <a:lnRef idx="1">
+            <a:schemeClr val="accent1"/>
+          </a:lnRef>
+          <a:fillRef idx="0">
+            <a:schemeClr val="accent1"/>
+          </a:fillRef>
+          <a:effectRef idx="0">
+            <a:schemeClr val="accent1"/>
+          </a:effectRef>
+          <a:fontRef idx="minor">
+            <a:schemeClr val="tx1"/>
+          </a:fontRef>
+        </p:style>
+      </p:cxnSp>
+      <p:sp>
+        <p:nvSpPr>
+          <p:cNvPr id="38" name="37 Rectángulo"/>
+          <p:cNvSpPr/>
+          <p:nvPr/>
+        </p:nvSpPr>
+        <p:spPr>
+          <a:xfrm>
+            <a:off x="6324600" y="1673926"/>
+            <a:ext cx="2286000" cy="990600"/>
+          </a:xfrm>
+          <a:prstGeom prst="rect">
+            <a:avLst/>
+          </a:prstGeom>
+        </p:spPr>
+        <p:style>
+          <a:lnRef idx="2">
+            <a:schemeClr val="accent1">
+              <a:shade val="50000"/>
+            </a:schemeClr>
+          </a:lnRef>
+          <a:fillRef idx="1">
+            <a:schemeClr val="accent1"/>
+          </a:fillRef>
+          <a:effectRef idx="0">
+            <a:schemeClr val="accent1"/>
+          </a:effectRef>
+          <a:fontRef idx="minor">
+            <a:schemeClr val="lt1"/>
+          </a:fontRef>
+        </p:style>
+        <p:txBody>
+          <a:bodyPr rtlCol="0" anchor="ctr"/>
+          <a:lstStyle/>
+          <a:p>
+            <a:pPr algn="ctr"/>
+            <a:r>
+              <a:rPr lang="en-US" dirty="0" smtClean="0"/>
+              <a:t>Scrip Runner Run Code</a:t>
+            </a:r>
+            <a:endParaRPr lang="en-US" dirty="0"/>
+          </a:p>
+        </p:txBody>
+      </p:sp>
+      <p:cxnSp>
+        <p:nvCxnSpPr>
+          <p:cNvPr id="40" name="39 Conector angular"/>
+          <p:cNvCxnSpPr>
+            <a:stCxn id="14" idx="3"/>
+            <a:endCxn id="38" idx="0"/>
+          </p:cNvCxnSpPr>
+          <p:nvPr/>
+        </p:nvCxnSpPr>
+        <p:spPr>
+          <a:xfrm flipV="1">
+            <a:off x="5105400" y="1673926"/>
+            <a:ext cx="2362200" cy="307274"/>
+          </a:xfrm>
+          <a:prstGeom prst="bentConnector4">
+            <a:avLst>
+              <a:gd name="adj1" fmla="val 25806"/>
+              <a:gd name="adj2" fmla="val 198390"/>
+            </a:avLst>
+          </a:prstGeom>
+          <a:ln>
+            <a:tailEnd type="arrow"/>
+          </a:ln>
+        </p:spPr>
+        <p:style>
+          <a:lnRef idx="1">
+            <a:schemeClr val="accent1"/>
+          </a:lnRef>
+          <a:fillRef idx="0">
+            <a:schemeClr val="accent1"/>
+          </a:fillRef>
+          <a:effectRef idx="0">
+            <a:schemeClr val="accent1"/>
+          </a:effectRef>
+          <a:fontRef idx="minor">
+            <a:schemeClr val="tx1"/>
+          </a:fontRef>
+        </p:style>
+      </p:cxnSp>
+      <p:cxnSp>
+        <p:nvCxnSpPr>
+          <p:cNvPr id="44" name="43 Conector angular"/>
+          <p:cNvCxnSpPr>
+            <a:stCxn id="15" idx="3"/>
+            <a:endCxn id="38" idx="1"/>
+          </p:cNvCxnSpPr>
+          <p:nvPr/>
+        </p:nvCxnSpPr>
+        <p:spPr>
+          <a:xfrm flipV="1">
+            <a:off x="5257800" y="2169226"/>
+            <a:ext cx="1066800" cy="769917"/>
+          </a:xfrm>
+          <a:prstGeom prst="bentConnector3">
+            <a:avLst/>
+          </a:prstGeom>
+          <a:ln>
+            <a:tailEnd type="arrow"/>
+          </a:ln>
+        </p:spPr>
+        <p:style>
+          <a:lnRef idx="1">
+            <a:schemeClr val="accent1"/>
+          </a:lnRef>
+          <a:fillRef idx="0">
+            <a:schemeClr val="accent1"/>
+          </a:fillRef>
+          <a:effectRef idx="0">
+            <a:schemeClr val="accent1"/>
+          </a:effectRef>
+          <a:fontRef idx="minor">
+            <a:schemeClr val="tx1"/>
+          </a:fontRef>
+        </p:style>
+      </p:cxnSp>
+      <p:cxnSp>
+        <p:nvCxnSpPr>
+          <p:cNvPr id="46" name="45 Conector angular"/>
+          <p:cNvCxnSpPr>
+            <a:stCxn id="16" idx="3"/>
+            <a:endCxn id="38" idx="2"/>
+          </p:cNvCxnSpPr>
+          <p:nvPr/>
+        </p:nvCxnSpPr>
+        <p:spPr>
+          <a:xfrm flipV="1">
+            <a:off x="5257800" y="2664526"/>
+            <a:ext cx="2209800" cy="1346860"/>
+          </a:xfrm>
+          <a:prstGeom prst="bentConnector2">
+            <a:avLst/>
+          </a:prstGeom>
+          <a:ln>
+            <a:tailEnd type="arrow"/>
+          </a:ln>
+        </p:spPr>
+        <p:style>
+          <a:lnRef idx="1">
+            <a:schemeClr val="accent1"/>
+          </a:lnRef>
+          <a:fillRef idx="0">
+            <a:schemeClr val="accent1"/>
+          </a:fillRef>
+          <a:effectRef idx="0">
+            <a:schemeClr val="accent1"/>
+          </a:effectRef>
+          <a:fontRef idx="minor">
+            <a:schemeClr val="tx1"/>
+          </a:fontRef>
+        </p:style>
+      </p:cxnSp>
+      <p:sp>
+        <p:nvSpPr>
+          <p:cNvPr id="56" name="55 Rectángulo"/>
+          <p:cNvSpPr/>
+          <p:nvPr/>
+        </p:nvSpPr>
+        <p:spPr>
+          <a:xfrm>
+            <a:off x="381000" y="4114800"/>
+            <a:ext cx="1219200" cy="762000"/>
+          </a:xfrm>
+          <a:prstGeom prst="rect">
+            <a:avLst/>
+          </a:prstGeom>
+        </p:spPr>
+        <p:style>
+          <a:lnRef idx="2">
+            <a:schemeClr val="accent1">
+              <a:shade val="50000"/>
+            </a:schemeClr>
+          </a:lnRef>
+          <a:fillRef idx="1">
+            <a:schemeClr val="accent1"/>
+          </a:fillRef>
+          <a:effectRef idx="0">
+            <a:schemeClr val="accent1"/>
+          </a:effectRef>
+          <a:fontRef idx="minor">
+            <a:schemeClr val="lt1"/>
+          </a:fontRef>
+        </p:style>
+        <p:txBody>
+          <a:bodyPr rtlCol="0" anchor="ctr"/>
+          <a:lstStyle/>
+          <a:p>
+            <a:pPr algn="ctr"/>
+            <a:r>
+              <a:rPr lang="en-US" dirty="0" smtClean="0"/>
+              <a:t>Print Error</a:t>
+            </a:r>
+            <a:endParaRPr lang="en-US" dirty="0"/>
+          </a:p>
+        </p:txBody>
+      </p:sp>
+      <p:cxnSp>
+        <p:nvCxnSpPr>
+          <p:cNvPr id="58" name="57 Conector recto de flecha"/>
+          <p:cNvCxnSpPr>
+            <a:stCxn id="16" idx="1"/>
+            <a:endCxn id="56" idx="3"/>
+          </p:cNvCxnSpPr>
+          <p:nvPr/>
+        </p:nvCxnSpPr>
+        <p:spPr>
+          <a:xfrm flipH="1">
+            <a:off x="1600200" y="4011386"/>
+            <a:ext cx="1066800" cy="484414"/>
+          </a:xfrm>
+          <a:prstGeom prst="straightConnector1">
+            <a:avLst/>
+          </a:prstGeom>
+          <a:ln>
+            <a:tailEnd type="arrow"/>
+          </a:ln>
+        </p:spPr>
+        <p:style>
+          <a:lnRef idx="1">
+            <a:schemeClr val="accent1"/>
+          </a:lnRef>
+          <a:fillRef idx="0">
+            <a:schemeClr val="accent1"/>
+          </a:fillRef>
+          <a:effectRef idx="0">
+            <a:schemeClr val="accent1"/>
+          </a:effectRef>
+          <a:fontRef idx="minor">
+            <a:schemeClr val="tx1"/>
+          </a:fontRef>
+        </p:style>
+      </p:cxnSp>
+      <p:sp>
+        <p:nvSpPr>
+          <p:cNvPr id="59" name="58 Elipse"/>
+          <p:cNvSpPr/>
+          <p:nvPr/>
+        </p:nvSpPr>
+        <p:spPr>
+          <a:xfrm>
+            <a:off x="5105400" y="5105400"/>
+            <a:ext cx="1979217" cy="914399"/>
+          </a:xfrm>
+          <a:prstGeom prst="ellipse">
+            <a:avLst/>
+          </a:prstGeom>
+        </p:spPr>
+        <p:style>
+          <a:lnRef idx="2">
+            <a:schemeClr val="accent1">
+              <a:shade val="50000"/>
+            </a:schemeClr>
+          </a:lnRef>
+          <a:fillRef idx="1">
+            <a:schemeClr val="accent1"/>
+          </a:fillRef>
+          <a:effectRef idx="0">
+            <a:schemeClr val="accent1"/>
+          </a:effectRef>
+          <a:fontRef idx="minor">
+            <a:schemeClr val="lt1"/>
+          </a:fontRef>
+        </p:style>
+        <p:txBody>
+          <a:bodyPr rtlCol="0" anchor="ctr"/>
+          <a:lstStyle/>
+          <a:p>
+            <a:pPr algn="ctr"/>
+            <a:r>
+              <a:rPr lang="en-US" dirty="0" smtClean="0"/>
+              <a:t>Exit </a:t>
+            </a:r>
+            <a:r>
+              <a:rPr lang="en-US" dirty="0"/>
+              <a:t>Execution</a:t>
+            </a:r>
+            <a:endParaRPr lang="en-US" dirty="0"/>
+          </a:p>
+        </p:txBody>
+      </p:sp>
+      <p:cxnSp>
+        <p:nvCxnSpPr>
+          <p:cNvPr id="61" name="60 Conector recto de flecha"/>
+          <p:cNvCxnSpPr>
+            <a:stCxn id="56" idx="3"/>
+            <a:endCxn id="59" idx="2"/>
+          </p:cNvCxnSpPr>
+          <p:nvPr/>
+        </p:nvCxnSpPr>
+        <p:spPr>
+          <a:xfrm>
+            <a:off x="1600200" y="4495800"/>
+            <a:ext cx="3505200" cy="1066800"/>
+          </a:xfrm>
+          <a:prstGeom prst="straightConnector1">
+            <a:avLst/>
+          </a:prstGeom>
+          <a:ln>
+            <a:tailEnd type="arrow"/>
+          </a:ln>
+        </p:spPr>
+        <p:style>
+          <a:lnRef idx="1">
+            <a:schemeClr val="accent1"/>
+          </a:lnRef>
+          <a:fillRef idx="0">
+            <a:schemeClr val="accent1"/>
+          </a:fillRef>
+          <a:effectRef idx="0">
+            <a:schemeClr val="accent1"/>
+          </a:effectRef>
+          <a:fontRef idx="minor">
+            <a:schemeClr val="tx1"/>
+          </a:fontRef>
+        </p:style>
+      </p:cxnSp>
+      <p:cxnSp>
+        <p:nvCxnSpPr>
+          <p:cNvPr id="67" name="66 Conector angular"/>
+          <p:cNvCxnSpPr>
+            <a:stCxn id="38" idx="3"/>
+            <a:endCxn id="59" idx="6"/>
+          </p:cNvCxnSpPr>
+          <p:nvPr/>
+        </p:nvCxnSpPr>
+        <p:spPr>
+          <a:xfrm flipH="1">
+            <a:off x="7084617" y="2169226"/>
+            <a:ext cx="1525983" cy="3393374"/>
+          </a:xfrm>
+          <a:prstGeom prst="bentConnector3">
+            <a:avLst>
+              <a:gd name="adj1" fmla="val -14981"/>
+            </a:avLst>
+          </a:prstGeom>
+          <a:ln>
+            <a:tailEnd type="arrow"/>
+          </a:ln>
+        </p:spPr>
+        <p:style>
+          <a:lnRef idx="1">
+            <a:schemeClr val="accent1"/>
+          </a:lnRef>
+          <a:fillRef idx="0">
+            <a:schemeClr val="accent1"/>
+          </a:fillRef>
+          <a:effectRef idx="0">
+            <a:schemeClr val="accent1"/>
+          </a:effectRef>
+          <a:fontRef idx="minor">
+            <a:schemeClr val="tx1"/>
+          </a:fontRef>
+        </p:style>
+      </p:cxnSp>
     </p:spTree>
     <p:extLst>
       <p:ext uri="{BB962C8B-B14F-4D97-AF65-F5344CB8AC3E}">
@@ -8035,6 +8874,81 @@
 </file>
 
 <file path=ppt/slides/slide6.xml><?xml version="1.0" encoding="utf-8"?>
+<p:sld xmlns:a="http://schemas.openxmlformats.org/drawingml/2006/main" xmlns:r="http://schemas.openxmlformats.org/officeDocument/2006/relationships" xmlns:p="http://schemas.openxmlformats.org/presentationml/2006/main">
+  <p:cSld>
+    <p:spTree>
+      <p:nvGrpSpPr>
+        <p:cNvPr id="1" name=""/>
+        <p:cNvGrpSpPr/>
+        <p:nvPr/>
+      </p:nvGrpSpPr>
+      <p:grpSpPr>
+        <a:xfrm>
+          <a:off x="0" y="0"/>
+          <a:ext cx="0" cy="0"/>
+          <a:chOff x="0" y="0"/>
+          <a:chExt cx="0" cy="0"/>
+        </a:xfrm>
+      </p:grpSpPr>
+      <p:sp>
+        <p:nvSpPr>
+          <p:cNvPr id="2" name="1 Título"/>
+          <p:cNvSpPr>
+            <a:spLocks noGrp="1"/>
+          </p:cNvSpPr>
+          <p:nvPr>
+            <p:ph type="title"/>
+          </p:nvPr>
+        </p:nvSpPr>
+        <p:spPr/>
+        <p:txBody>
+          <a:bodyPr/>
+          <a:lstStyle/>
+          <a:p>
+            <a:endParaRPr lang="en-US" dirty="0"/>
+          </a:p>
+        </p:txBody>
+      </p:sp>
+      <p:sp>
+        <p:nvSpPr>
+          <p:cNvPr id="3" name="2 Marcador de contenido"/>
+          <p:cNvSpPr>
+            <a:spLocks noGrp="1"/>
+          </p:cNvSpPr>
+          <p:nvPr>
+            <p:ph idx="1"/>
+          </p:nvPr>
+        </p:nvSpPr>
+        <p:spPr/>
+        <p:txBody>
+          <a:bodyPr/>
+          <a:lstStyle/>
+          <a:p>
+            <a:endParaRPr lang="en-US"/>
+          </a:p>
+        </p:txBody>
+      </p:sp>
+    </p:spTree>
+    <p:extLst>
+      <p:ext uri="{BB962C8B-B14F-4D97-AF65-F5344CB8AC3E}">
+        <p14:creationId xmlns:p14="http://schemas.microsoft.com/office/powerpoint/2010/main" val="51589668"/>
+      </p:ext>
+    </p:extLst>
+  </p:cSld>
+  <p:clrMapOvr>
+    <a:masterClrMapping/>
+  </p:clrMapOvr>
+  <p:timing>
+    <p:tnLst>
+      <p:par>
+        <p:cTn id="1" dur="indefinite" restart="never" nodeType="tmRoot"/>
+      </p:par>
+    </p:tnLst>
+  </p:timing>
+</p:sld>
+</file>
+
+<file path=ppt/slides/slide7.xml><?xml version="1.0" encoding="utf-8"?>
 <p:sld xmlns:a="http://schemas.openxmlformats.org/drawingml/2006/main" xmlns:r="http://schemas.openxmlformats.org/officeDocument/2006/relationships" xmlns:p="http://schemas.openxmlformats.org/presentationml/2006/main">
   <p:cSld>
     <p:spTree>

--- a/Documentation/QuickToolsScript_Schema.pptx
+++ b/Documentation/QuickToolsScript_Schema.pptx
@@ -510,6 +510,14 @@
           <a:bodyPr/>
           <a:lstStyle/>
           <a:p>
+            <a:r>
+              <a:rPr lang="en-US" dirty="0" smtClean="0"/>
+              <a:t>This</a:t>
+            </a:r>
+            <a:r>
+              <a:rPr lang="en-US" baseline="0" dirty="0" smtClean="0"/>
+              <a:t> is where </a:t>
+            </a:r>
             <a:endParaRPr lang="en-US" dirty="0"/>
           </a:p>
         </p:txBody>
@@ -531,7 +539,7 @@
           <a:p>
             <a:fld id="{E076CD16-36F8-41E3-8B2D-7C5A076FB703}" type="slidenum">
               <a:rPr lang="en-US" smtClean="0"/>
-              <a:t>2</a:t>
+              <a:t>1</a:t>
             </a:fld>
             <a:endParaRPr lang="en-US"/>
           </a:p>
@@ -540,7 +548,7 @@
     </p:spTree>
     <p:extLst>
       <p:ext uri="{BB962C8B-B14F-4D97-AF65-F5344CB8AC3E}">
-        <p14:creationId xmlns:p14="http://schemas.microsoft.com/office/powerpoint/2010/main" val="736331441"/>
+        <p14:creationId xmlns:p14="http://schemas.microsoft.com/office/powerpoint/2010/main" val="3130974787"/>
       </p:ext>
     </p:extLst>
   </p:cSld>
@@ -615,6 +623,90 @@
           <a:p>
             <a:fld id="{E076CD16-36F8-41E3-8B2D-7C5A076FB703}" type="slidenum">
               <a:rPr lang="en-US" smtClean="0"/>
+              <a:t>2</a:t>
+            </a:fld>
+            <a:endParaRPr lang="en-US"/>
+          </a:p>
+        </p:txBody>
+      </p:sp>
+    </p:spTree>
+    <p:extLst>
+      <p:ext uri="{BB962C8B-B14F-4D97-AF65-F5344CB8AC3E}">
+        <p14:creationId xmlns:p14="http://schemas.microsoft.com/office/powerpoint/2010/main" val="736331441"/>
+      </p:ext>
+    </p:extLst>
+  </p:cSld>
+  <p:clrMapOvr>
+    <a:masterClrMapping/>
+  </p:clrMapOvr>
+</p:notes>
+</file>
+
+<file path=ppt/notesSlides/notesSlide3.xml><?xml version="1.0" encoding="utf-8"?>
+<p:notes xmlns:a="http://schemas.openxmlformats.org/drawingml/2006/main" xmlns:r="http://schemas.openxmlformats.org/officeDocument/2006/relationships" xmlns:p="http://schemas.openxmlformats.org/presentationml/2006/main">
+  <p:cSld>
+    <p:spTree>
+      <p:nvGrpSpPr>
+        <p:cNvPr id="1" name=""/>
+        <p:cNvGrpSpPr/>
+        <p:nvPr/>
+      </p:nvGrpSpPr>
+      <p:grpSpPr>
+        <a:xfrm>
+          <a:off x="0" y="0"/>
+          <a:ext cx="0" cy="0"/>
+          <a:chOff x="0" y="0"/>
+          <a:chExt cx="0" cy="0"/>
+        </a:xfrm>
+      </p:grpSpPr>
+      <p:sp>
+        <p:nvSpPr>
+          <p:cNvPr id="2" name="1 Marcador de imagen de diapositiva"/>
+          <p:cNvSpPr>
+            <a:spLocks noGrp="1" noRot="1" noChangeAspect="1"/>
+          </p:cNvSpPr>
+          <p:nvPr>
+            <p:ph type="sldImg"/>
+          </p:nvPr>
+        </p:nvSpPr>
+        <p:spPr/>
+      </p:sp>
+      <p:sp>
+        <p:nvSpPr>
+          <p:cNvPr id="3" name="2 Marcador de notas"/>
+          <p:cNvSpPr>
+            <a:spLocks noGrp="1"/>
+          </p:cNvSpPr>
+          <p:nvPr>
+            <p:ph type="body" idx="1"/>
+          </p:nvPr>
+        </p:nvSpPr>
+        <p:spPr/>
+        <p:txBody>
+          <a:bodyPr/>
+          <a:lstStyle/>
+          <a:p>
+            <a:endParaRPr lang="en-US" dirty="0"/>
+          </a:p>
+        </p:txBody>
+      </p:sp>
+      <p:sp>
+        <p:nvSpPr>
+          <p:cNvPr id="4" name="3 Marcador de número de diapositiva"/>
+          <p:cNvSpPr>
+            <a:spLocks noGrp="1"/>
+          </p:cNvSpPr>
+          <p:nvPr>
+            <p:ph type="sldNum" sz="quarter" idx="10"/>
+          </p:nvPr>
+        </p:nvSpPr>
+        <p:spPr/>
+        <p:txBody>
+          <a:bodyPr/>
+          <a:lstStyle/>
+          <a:p>
+            <a:fld id="{E076CD16-36F8-41E3-8B2D-7C5A076FB703}" type="slidenum">
+              <a:rPr lang="en-US" smtClean="0"/>
               <a:t>4</a:t>
             </a:fld>
             <a:endParaRPr lang="en-US"/>
@@ -625,6 +717,90 @@
     <p:extLst>
       <p:ext uri="{BB962C8B-B14F-4D97-AF65-F5344CB8AC3E}">
         <p14:creationId xmlns:p14="http://schemas.microsoft.com/office/powerpoint/2010/main" val="1228572328"/>
+      </p:ext>
+    </p:extLst>
+  </p:cSld>
+  <p:clrMapOvr>
+    <a:masterClrMapping/>
+  </p:clrMapOvr>
+</p:notes>
+</file>
+
+<file path=ppt/notesSlides/notesSlide4.xml><?xml version="1.0" encoding="utf-8"?>
+<p:notes xmlns:a="http://schemas.openxmlformats.org/drawingml/2006/main" xmlns:r="http://schemas.openxmlformats.org/officeDocument/2006/relationships" xmlns:p="http://schemas.openxmlformats.org/presentationml/2006/main">
+  <p:cSld>
+    <p:spTree>
+      <p:nvGrpSpPr>
+        <p:cNvPr id="1" name=""/>
+        <p:cNvGrpSpPr/>
+        <p:nvPr/>
+      </p:nvGrpSpPr>
+      <p:grpSpPr>
+        <a:xfrm>
+          <a:off x="0" y="0"/>
+          <a:ext cx="0" cy="0"/>
+          <a:chOff x="0" y="0"/>
+          <a:chExt cx="0" cy="0"/>
+        </a:xfrm>
+      </p:grpSpPr>
+      <p:sp>
+        <p:nvSpPr>
+          <p:cNvPr id="2" name="1 Marcador de imagen de diapositiva"/>
+          <p:cNvSpPr>
+            <a:spLocks noGrp="1" noRot="1" noChangeAspect="1"/>
+          </p:cNvSpPr>
+          <p:nvPr>
+            <p:ph type="sldImg"/>
+          </p:nvPr>
+        </p:nvSpPr>
+        <p:spPr/>
+      </p:sp>
+      <p:sp>
+        <p:nvSpPr>
+          <p:cNvPr id="3" name="2 Marcador de notas"/>
+          <p:cNvSpPr>
+            <a:spLocks noGrp="1"/>
+          </p:cNvSpPr>
+          <p:nvPr>
+            <p:ph type="body" idx="1"/>
+          </p:nvPr>
+        </p:nvSpPr>
+        <p:spPr/>
+        <p:txBody>
+          <a:bodyPr/>
+          <a:lstStyle/>
+          <a:p>
+            <a:endParaRPr lang="en-US" dirty="0"/>
+          </a:p>
+        </p:txBody>
+      </p:sp>
+      <p:sp>
+        <p:nvSpPr>
+          <p:cNvPr id="4" name="3 Marcador de número de diapositiva"/>
+          <p:cNvSpPr>
+            <a:spLocks noGrp="1"/>
+          </p:cNvSpPr>
+          <p:nvPr>
+            <p:ph type="sldNum" sz="quarter" idx="10"/>
+          </p:nvPr>
+        </p:nvSpPr>
+        <p:spPr/>
+        <p:txBody>
+          <a:bodyPr/>
+          <a:lstStyle/>
+          <a:p>
+            <a:fld id="{E076CD16-36F8-41E3-8B2D-7C5A076FB703}" type="slidenum">
+              <a:rPr lang="en-US" smtClean="0"/>
+              <a:t>5</a:t>
+            </a:fld>
+            <a:endParaRPr lang="en-US"/>
+          </a:p>
+        </p:txBody>
+      </p:sp>
+    </p:spTree>
+    <p:extLst>
+      <p:ext uri="{BB962C8B-B14F-4D97-AF65-F5344CB8AC3E}">
+        <p14:creationId xmlns:p14="http://schemas.microsoft.com/office/powerpoint/2010/main" val="1542500488"/>
       </p:ext>
     </p:extLst>
   </p:cSld>
@@ -4239,8 +4415,8 @@
         </p:nvSpPr>
         <p:spPr>
           <a:xfrm>
-            <a:off x="356198" y="686290"/>
-            <a:ext cx="1981200" cy="923330"/>
+            <a:off x="356197" y="686290"/>
+            <a:ext cx="2939451" cy="923330"/>
           </a:xfrm>
           <a:prstGeom prst="flowChartDecision">
             <a:avLst/>
@@ -4269,15 +4445,7 @@
             <a:pPr algn="ctr"/>
             <a:r>
               <a:rPr lang="en-US" dirty="0" smtClean="0"/>
-              <a:t>Has </a:t>
-            </a:r>
-            <a:r>
-              <a:rPr lang="en-US" dirty="0" err="1" smtClean="0"/>
-              <a:t>Args</a:t>
-            </a:r>
-            <a:r>
-              <a:rPr lang="en-US" dirty="0" smtClean="0"/>
-              <a:t>[]</a:t>
+              <a:t>Has  Arguments</a:t>
             </a:r>
             <a:endParaRPr lang="en-US" dirty="0"/>
           </a:p>
@@ -4295,7 +4463,7 @@
         <p:spPr>
           <a:xfrm>
             <a:off x="990600" y="381000"/>
-            <a:ext cx="356198" cy="305290"/>
+            <a:ext cx="835323" cy="305290"/>
           </a:xfrm>
           <a:prstGeom prst="bentConnector2">
             <a:avLst/>
@@ -4331,7 +4499,7 @@
         <p:spPr>
           <a:xfrm rot="10800000" flipH="1" flipV="1">
             <a:off x="356197" y="1147954"/>
-            <a:ext cx="723003" cy="757045"/>
+            <a:ext cx="723004" cy="757045"/>
           </a:xfrm>
           <a:prstGeom prst="bentConnector4">
             <a:avLst>
@@ -4360,46 +4528,14 @@
       </p:cxnSp>
       <p:sp>
         <p:nvSpPr>
-          <p:cNvPr id="26" name="25 Título"/>
-          <p:cNvSpPr>
-            <a:spLocks noGrp="1"/>
-          </p:cNvSpPr>
-          <p:nvPr>
-            <p:ph type="ctrTitle"/>
-          </p:nvPr>
-        </p:nvSpPr>
-        <p:spPr>
-          <a:xfrm>
-            <a:off x="1173012" y="5715000"/>
-            <a:ext cx="6480048" cy="929640"/>
-          </a:xfrm>
-        </p:spPr>
-        <p:txBody>
-          <a:bodyPr/>
-          <a:lstStyle/>
-          <a:p>
-            <a:r>
-              <a:rPr lang="en-US" dirty="0" smtClean="0"/>
-              <a:t>Program</a:t>
-            </a:r>
-            <a:r>
-              <a:rPr lang="en-US" baseline="0" dirty="0" smtClean="0"/>
-              <a:t> start flow</a:t>
-            </a:r>
-            <a:endParaRPr lang="en-US" dirty="0"/>
-          </a:p>
-        </p:txBody>
-      </p:sp>
-      <p:sp>
-        <p:nvSpPr>
           <p:cNvPr id="43" name="42 Decisión"/>
           <p:cNvSpPr/>
           <p:nvPr/>
         </p:nvSpPr>
         <p:spPr>
           <a:xfrm>
-            <a:off x="2590799" y="1380301"/>
-            <a:ext cx="1882178" cy="914400"/>
+            <a:off x="2590798" y="1380301"/>
+            <a:ext cx="3810002" cy="914400"/>
           </a:xfrm>
           <a:prstGeom prst="flowChartDecision">
             <a:avLst/>
@@ -4427,12 +4563,8 @@
           <a:p>
             <a:pPr algn="ctr"/>
             <a:r>
-              <a:rPr lang="en-US" dirty="0" err="1" smtClean="0"/>
-              <a:t>Args</a:t>
-            </a:r>
-            <a:r>
               <a:rPr lang="en-US" dirty="0" smtClean="0"/>
-              <a:t>[0]== Shell</a:t>
+              <a:t>Argument 0 = shell</a:t>
             </a:r>
             <a:endParaRPr lang="en-US" dirty="0"/>
           </a:p>
@@ -4450,7 +4582,7 @@
         <p:spPr>
           <a:xfrm flipH="1">
             <a:off x="1079201" y="1837501"/>
-            <a:ext cx="1511598" cy="67499"/>
+            <a:ext cx="1511597" cy="67499"/>
           </a:xfrm>
           <a:prstGeom prst="straightConnector1">
             <a:avLst/>
@@ -4482,7 +4614,7 @@
         </p:nvSpPr>
         <p:spPr>
           <a:xfrm>
-            <a:off x="2074471" y="3265098"/>
+            <a:off x="2133900" y="3219203"/>
             <a:ext cx="1882178" cy="914400"/>
           </a:xfrm>
           <a:prstGeom prst="flowChartDecision">
@@ -4529,13 +4661,13 @@
         </p:nvCxnSpPr>
         <p:spPr>
           <a:xfrm flipH="1">
-            <a:off x="3015560" y="1837501"/>
-            <a:ext cx="1457417" cy="1427597"/>
+            <a:off x="3074989" y="1837501"/>
+            <a:ext cx="3325811" cy="1381702"/>
           </a:xfrm>
           <a:prstGeom prst="bentConnector4">
             <a:avLst>
-              <a:gd name="adj1" fmla="val -15685"/>
-              <a:gd name="adj2" fmla="val 66013"/>
+              <a:gd name="adj1" fmla="val -6874"/>
+              <a:gd name="adj2" fmla="val 66545"/>
             </a:avLst>
           </a:prstGeom>
           <a:ln>
@@ -4612,8 +4744,8 @@
         </p:nvCxnSpPr>
         <p:spPr>
           <a:xfrm>
-            <a:off x="3956649" y="3722298"/>
-            <a:ext cx="516329" cy="849702"/>
+            <a:off x="4016078" y="3676403"/>
+            <a:ext cx="456900" cy="895597"/>
           </a:xfrm>
           <a:prstGeom prst="straightConnector1">
             <a:avLst/>
@@ -4648,8 +4780,8 @@
         </p:nvCxnSpPr>
         <p:spPr>
           <a:xfrm>
-            <a:off x="2337398" y="1147955"/>
-            <a:ext cx="1194490" cy="232346"/>
+            <a:off x="3295648" y="1147955"/>
+            <a:ext cx="1200151" cy="232346"/>
           </a:xfrm>
           <a:prstGeom prst="bentConnector2">
             <a:avLst/>
@@ -4728,13 +4860,13 @@
         </p:nvCxnSpPr>
         <p:spPr>
           <a:xfrm rot="10800000" flipH="1">
-            <a:off x="1804132" y="3265098"/>
-            <a:ext cx="1211428" cy="1840302"/>
+            <a:off x="1804131" y="3219204"/>
+            <a:ext cx="1270857" cy="1886197"/>
           </a:xfrm>
           <a:prstGeom prst="bentConnector4">
             <a:avLst>
-              <a:gd name="adj1" fmla="val -25947"/>
-              <a:gd name="adj2" fmla="val 112422"/>
+              <a:gd name="adj1" fmla="val -24733"/>
+              <a:gd name="adj2" fmla="val 112120"/>
             </a:avLst>
           </a:prstGeom>
           <a:ln>
@@ -4767,13 +4899,13 @@
         </p:nvCxnSpPr>
         <p:spPr>
           <a:xfrm rot="10800000" flipH="1" flipV="1">
-            <a:off x="2074470" y="3722298"/>
-            <a:ext cx="241181" cy="1040202"/>
+            <a:off x="2133900" y="3676402"/>
+            <a:ext cx="181752" cy="1086097"/>
           </a:xfrm>
           <a:prstGeom prst="bentConnector4">
             <a:avLst>
-              <a:gd name="adj1" fmla="val -94784"/>
-              <a:gd name="adj2" fmla="val 71977"/>
+              <a:gd name="adj1" fmla="val -125776"/>
+              <a:gd name="adj2" fmla="val 71048"/>
             </a:avLst>
           </a:prstGeom>
           <a:ln>
@@ -4795,6 +4927,38 @@
           </a:fontRef>
         </p:style>
       </p:cxnSp>
+      <p:sp>
+        <p:nvSpPr>
+          <p:cNvPr id="32" name="31 Título"/>
+          <p:cNvSpPr>
+            <a:spLocks noGrp="1"/>
+          </p:cNvSpPr>
+          <p:nvPr>
+            <p:ph type="ctrTitle"/>
+          </p:nvPr>
+        </p:nvSpPr>
+        <p:spPr>
+          <a:xfrm>
+            <a:off x="3895723" y="5861712"/>
+            <a:ext cx="4435050" cy="996288"/>
+          </a:xfrm>
+        </p:spPr>
+        <p:txBody>
+          <a:bodyPr/>
+          <a:lstStyle/>
+          <a:p>
+            <a:r>
+              <a:rPr lang="en-US" dirty="0" smtClean="0"/>
+              <a:t>Program</a:t>
+            </a:r>
+            <a:r>
+              <a:rPr lang="en-US" baseline="0" dirty="0" smtClean="0"/>
+              <a:t> flow</a:t>
+            </a:r>
+            <a:endParaRPr lang="en-US" dirty="0"/>
+          </a:p>
+        </p:txBody>
+      </p:sp>
     </p:spTree>
     <p:extLst>
       <p:ext uri="{BB962C8B-B14F-4D97-AF65-F5344CB8AC3E}">
@@ -4878,34 +5042,6 @@
       </p:sp>
       <p:sp>
         <p:nvSpPr>
-          <p:cNvPr id="26" name="25 Título"/>
-          <p:cNvSpPr>
-            <a:spLocks noGrp="1"/>
-          </p:cNvSpPr>
-          <p:nvPr>
-            <p:ph type="ctrTitle"/>
-          </p:nvPr>
-        </p:nvSpPr>
-        <p:spPr>
-          <a:xfrm>
-            <a:off x="1173012" y="5715000"/>
-            <a:ext cx="6480048" cy="929640"/>
-          </a:xfrm>
-        </p:spPr>
-        <p:txBody>
-          <a:bodyPr/>
-          <a:lstStyle/>
-          <a:p>
-            <a:r>
-              <a:rPr lang="en-US" dirty="0" smtClean="0"/>
-              <a:t>Shell flow</a:t>
-            </a:r>
-            <a:endParaRPr lang="en-US" dirty="0"/>
-          </a:p>
-        </p:txBody>
-      </p:sp>
-      <p:sp>
-        <p:nvSpPr>
           <p:cNvPr id="56" name="55 Elipse"/>
           <p:cNvSpPr/>
           <p:nvPr/>
@@ -6223,6 +6359,44 @@
               <a:t>Phase C</a:t>
             </a:r>
             <a:endParaRPr lang="en-US" dirty="0"/>
+          </a:p>
+        </p:txBody>
+      </p:sp>
+      <p:sp>
+        <p:nvSpPr>
+          <p:cNvPr id="7" name="6 Título"/>
+          <p:cNvSpPr>
+            <a:spLocks noGrp="1"/>
+          </p:cNvSpPr>
+          <p:nvPr>
+            <p:ph type="ctrTitle"/>
+          </p:nvPr>
+        </p:nvSpPr>
+        <p:spPr>
+          <a:xfrm>
+            <a:off x="5486400" y="5638800"/>
+            <a:ext cx="3403912" cy="824345"/>
+          </a:xfrm>
+        </p:spPr>
+        <p:txBody>
+          <a:bodyPr/>
+          <a:lstStyle/>
+          <a:p>
+            <a:r>
+              <a:rPr lang="en-US" b="0" dirty="0" smtClean="0">
+                <a:effectLst/>
+              </a:rPr>
+              <a:t>Shell</a:t>
+            </a:r>
+            <a:r>
+              <a:rPr lang="en-US" b="0" baseline="0" dirty="0" smtClean="0">
+                <a:effectLst/>
+              </a:rPr>
+              <a:t> flow</a:t>
+            </a:r>
+            <a:endParaRPr lang="en-US" b="0" dirty="0">
+              <a:effectLst/>
+            </a:endParaRPr>
           </a:p>
         </p:txBody>
       </p:sp>
@@ -8085,8 +8259,8 @@
           <a:lstStyle/>
           <a:p>
             <a:r>
-              <a:rPr lang="en-US" dirty="0" err="1"/>
-              <a:t>SetExecution</a:t>
+              <a:rPr lang="en-US" dirty="0" smtClean="0"/>
+              <a:t>Set Execution</a:t>
             </a:r>
             <a:endParaRPr lang="en-US" dirty="0"/>
           </a:p>
@@ -8892,7 +9066,505 @@
       </p:grpSpPr>
       <p:sp>
         <p:nvSpPr>
-          <p:cNvPr id="2" name="1 Título"/>
+          <p:cNvPr id="4" name="3 Elipse"/>
+          <p:cNvSpPr/>
+          <p:nvPr/>
+        </p:nvSpPr>
+        <p:spPr>
+          <a:xfrm>
+            <a:off x="381000" y="523504"/>
+            <a:ext cx="762000" cy="457200"/>
+          </a:xfrm>
+          <a:prstGeom prst="ellipse">
+            <a:avLst/>
+          </a:prstGeom>
+        </p:spPr>
+        <p:style>
+          <a:lnRef idx="2">
+            <a:schemeClr val="accent1">
+              <a:shade val="50000"/>
+            </a:schemeClr>
+          </a:lnRef>
+          <a:fillRef idx="1">
+            <a:schemeClr val="accent1"/>
+          </a:fillRef>
+          <a:effectRef idx="0">
+            <a:schemeClr val="accent1"/>
+          </a:effectRef>
+          <a:fontRef idx="minor">
+            <a:schemeClr val="lt1"/>
+          </a:fontRef>
+        </p:style>
+        <p:txBody>
+          <a:bodyPr rtlCol="0" anchor="ctr"/>
+          <a:lstStyle/>
+          <a:p>
+            <a:pPr algn="ctr"/>
+            <a:r>
+              <a:rPr lang="en-US" sz="1200" dirty="0" smtClean="0"/>
+              <a:t>Sta</a:t>
+            </a:r>
+            <a:r>
+              <a:rPr lang="en-US" sz="1200" dirty="0" smtClean="0"/>
+              <a:t>rt</a:t>
+            </a:r>
+            <a:endParaRPr lang="en-US" sz="1200" dirty="0"/>
+          </a:p>
+        </p:txBody>
+      </p:sp>
+      <p:sp>
+        <p:nvSpPr>
+          <p:cNvPr id="5" name="4 Rectángulo"/>
+          <p:cNvSpPr/>
+          <p:nvPr/>
+        </p:nvSpPr>
+        <p:spPr>
+          <a:xfrm>
+            <a:off x="2884714" y="447304"/>
+            <a:ext cx="2362200" cy="609600"/>
+          </a:xfrm>
+          <a:prstGeom prst="rect">
+            <a:avLst/>
+          </a:prstGeom>
+        </p:spPr>
+        <p:style>
+          <a:lnRef idx="2">
+            <a:schemeClr val="accent1">
+              <a:shade val="50000"/>
+            </a:schemeClr>
+          </a:lnRef>
+          <a:fillRef idx="1">
+            <a:schemeClr val="accent1"/>
+          </a:fillRef>
+          <a:effectRef idx="0">
+            <a:schemeClr val="accent1"/>
+          </a:effectRef>
+          <a:fontRef idx="minor">
+            <a:schemeClr val="lt1"/>
+          </a:fontRef>
+        </p:style>
+        <p:txBody>
+          <a:bodyPr rtlCol="0" anchor="ctr"/>
+          <a:lstStyle/>
+          <a:p>
+            <a:pPr algn="ctr"/>
+            <a:r>
+              <a:rPr lang="en-US" dirty="0" smtClean="0"/>
+              <a:t>Script Runner check</a:t>
+            </a:r>
+            <a:endParaRPr lang="en-US" dirty="0"/>
+          </a:p>
+        </p:txBody>
+      </p:sp>
+      <p:cxnSp>
+        <p:nvCxnSpPr>
+          <p:cNvPr id="7" name="6 Conector recto de flecha"/>
+          <p:cNvCxnSpPr>
+            <a:stCxn id="4" idx="6"/>
+            <a:endCxn id="5" idx="1"/>
+          </p:cNvCxnSpPr>
+          <p:nvPr/>
+        </p:nvCxnSpPr>
+        <p:spPr>
+          <a:xfrm>
+            <a:off x="1143000" y="752104"/>
+            <a:ext cx="1741714" cy="0"/>
+          </a:xfrm>
+          <a:prstGeom prst="straightConnector1">
+            <a:avLst/>
+          </a:prstGeom>
+          <a:ln>
+            <a:tailEnd type="arrow"/>
+          </a:ln>
+        </p:spPr>
+        <p:style>
+          <a:lnRef idx="1">
+            <a:schemeClr val="accent1"/>
+          </a:lnRef>
+          <a:fillRef idx="0">
+            <a:schemeClr val="accent1"/>
+          </a:fillRef>
+          <a:effectRef idx="0">
+            <a:schemeClr val="accent1"/>
+          </a:effectRef>
+          <a:fontRef idx="minor">
+            <a:schemeClr val="tx1"/>
+          </a:fontRef>
+        </p:style>
+      </p:cxnSp>
+      <p:sp>
+        <p:nvSpPr>
+          <p:cNvPr id="9" name="8 Decisión"/>
+          <p:cNvSpPr/>
+          <p:nvPr/>
+        </p:nvSpPr>
+        <p:spPr>
+          <a:xfrm>
+            <a:off x="1447800" y="1524000"/>
+            <a:ext cx="3962400" cy="838200"/>
+          </a:xfrm>
+          <a:prstGeom prst="flowChartDecision">
+            <a:avLst/>
+          </a:prstGeom>
+        </p:spPr>
+        <p:style>
+          <a:lnRef idx="2">
+            <a:schemeClr val="accent1">
+              <a:shade val="50000"/>
+            </a:schemeClr>
+          </a:lnRef>
+          <a:fillRef idx="1">
+            <a:schemeClr val="accent1"/>
+          </a:fillRef>
+          <a:effectRef idx="0">
+            <a:schemeClr val="accent1"/>
+          </a:effectRef>
+          <a:fontRef idx="minor">
+            <a:schemeClr val="lt1"/>
+          </a:fontRef>
+        </p:style>
+        <p:txBody>
+          <a:bodyPr rtlCol="0" anchor="ctr"/>
+          <a:lstStyle/>
+          <a:p>
+            <a:pPr algn="ctr"/>
+            <a:r>
+              <a:rPr lang="en-US" dirty="0" smtClean="0"/>
+              <a:t>Is Background?</a:t>
+            </a:r>
+            <a:endParaRPr lang="en-US" dirty="0"/>
+          </a:p>
+        </p:txBody>
+      </p:sp>
+      <p:cxnSp>
+        <p:nvCxnSpPr>
+          <p:cNvPr id="12" name="11 Conector angular"/>
+          <p:cNvCxnSpPr>
+            <a:stCxn id="5" idx="2"/>
+            <a:endCxn id="9" idx="0"/>
+          </p:cNvCxnSpPr>
+          <p:nvPr/>
+        </p:nvCxnSpPr>
+        <p:spPr>
+          <a:xfrm rot="5400000">
+            <a:off x="3513859" y="972045"/>
+            <a:ext cx="467096" cy="636814"/>
+          </a:xfrm>
+          <a:prstGeom prst="bentConnector3">
+            <a:avLst/>
+          </a:prstGeom>
+          <a:ln>
+            <a:tailEnd type="arrow"/>
+          </a:ln>
+        </p:spPr>
+        <p:style>
+          <a:lnRef idx="1">
+            <a:schemeClr val="accent1"/>
+          </a:lnRef>
+          <a:fillRef idx="0">
+            <a:schemeClr val="accent1"/>
+          </a:fillRef>
+          <a:effectRef idx="0">
+            <a:schemeClr val="accent1"/>
+          </a:effectRef>
+          <a:fontRef idx="minor">
+            <a:schemeClr val="tx1"/>
+          </a:fontRef>
+        </p:style>
+      </p:cxnSp>
+      <p:sp>
+        <p:nvSpPr>
+          <p:cNvPr id="16" name="15 Rectángulo"/>
+          <p:cNvSpPr/>
+          <p:nvPr/>
+        </p:nvSpPr>
+        <p:spPr>
+          <a:xfrm>
+            <a:off x="6219208" y="447304"/>
+            <a:ext cx="2362200" cy="1066800"/>
+          </a:xfrm>
+          <a:prstGeom prst="rect">
+            <a:avLst/>
+          </a:prstGeom>
+        </p:spPr>
+        <p:style>
+          <a:lnRef idx="2">
+            <a:schemeClr val="accent1">
+              <a:shade val="50000"/>
+            </a:schemeClr>
+          </a:lnRef>
+          <a:fillRef idx="1">
+            <a:schemeClr val="accent1"/>
+          </a:fillRef>
+          <a:effectRef idx="0">
+            <a:schemeClr val="accent1"/>
+          </a:effectRef>
+          <a:fontRef idx="minor">
+            <a:schemeClr val="lt1"/>
+          </a:fontRef>
+        </p:style>
+        <p:txBody>
+          <a:bodyPr rtlCol="0" anchor="ctr"/>
+          <a:lstStyle/>
+          <a:p>
+            <a:pPr algn="ctr"/>
+            <a:r>
+              <a:rPr lang="en-US" dirty="0" smtClean="0"/>
+              <a:t>Run in Background</a:t>
+            </a:r>
+            <a:br>
+              <a:rPr lang="en-US" dirty="0" smtClean="0"/>
+            </a:br>
+            <a:r>
+              <a:rPr lang="en-US" dirty="0" smtClean="0"/>
+              <a:t>Job Add the job</a:t>
+            </a:r>
+            <a:endParaRPr lang="en-US" dirty="0"/>
+          </a:p>
+        </p:txBody>
+      </p:sp>
+      <p:cxnSp>
+        <p:nvCxnSpPr>
+          <p:cNvPr id="18" name="17 Conector angular"/>
+          <p:cNvCxnSpPr>
+            <a:stCxn id="9" idx="3"/>
+            <a:endCxn id="16" idx="1"/>
+          </p:cNvCxnSpPr>
+          <p:nvPr/>
+        </p:nvCxnSpPr>
+        <p:spPr>
+          <a:xfrm flipV="1">
+            <a:off x="5410200" y="980704"/>
+            <a:ext cx="809008" cy="962396"/>
+          </a:xfrm>
+          <a:prstGeom prst="bentConnector3">
+            <a:avLst/>
+          </a:prstGeom>
+          <a:ln>
+            <a:tailEnd type="arrow"/>
+          </a:ln>
+        </p:spPr>
+        <p:style>
+          <a:lnRef idx="1">
+            <a:schemeClr val="accent1"/>
+          </a:lnRef>
+          <a:fillRef idx="0">
+            <a:schemeClr val="accent1"/>
+          </a:fillRef>
+          <a:effectRef idx="0">
+            <a:schemeClr val="accent1"/>
+          </a:effectRef>
+          <a:fontRef idx="minor">
+            <a:schemeClr val="tx1"/>
+          </a:fontRef>
+        </p:style>
+      </p:cxnSp>
+      <p:sp>
+        <p:nvSpPr>
+          <p:cNvPr id="22" name="21 Rectángulo"/>
+          <p:cNvSpPr/>
+          <p:nvPr/>
+        </p:nvSpPr>
+        <p:spPr>
+          <a:xfrm>
+            <a:off x="832325" y="3505200"/>
+            <a:ext cx="1593148" cy="685800"/>
+          </a:xfrm>
+          <a:prstGeom prst="rect">
+            <a:avLst/>
+          </a:prstGeom>
+        </p:spPr>
+        <p:style>
+          <a:lnRef idx="2">
+            <a:schemeClr val="accent1">
+              <a:shade val="50000"/>
+            </a:schemeClr>
+          </a:lnRef>
+          <a:fillRef idx="1">
+            <a:schemeClr val="accent1"/>
+          </a:fillRef>
+          <a:effectRef idx="0">
+            <a:schemeClr val="accent1"/>
+          </a:effectRef>
+          <a:fontRef idx="minor">
+            <a:schemeClr val="lt1"/>
+          </a:fontRef>
+        </p:style>
+        <p:txBody>
+          <a:bodyPr rtlCol="0" anchor="ctr"/>
+          <a:lstStyle/>
+          <a:p>
+            <a:pPr algn="ctr"/>
+            <a:r>
+              <a:rPr lang="en-US" dirty="0" smtClean="0"/>
+              <a:t>Run Scrip</a:t>
+            </a:r>
+            <a:endParaRPr lang="en-US" dirty="0"/>
+          </a:p>
+        </p:txBody>
+      </p:sp>
+      <p:sp>
+        <p:nvSpPr>
+          <p:cNvPr id="23" name="22 Elipse"/>
+          <p:cNvSpPr/>
+          <p:nvPr/>
+        </p:nvSpPr>
+        <p:spPr>
+          <a:xfrm>
+            <a:off x="6410700" y="3390901"/>
+            <a:ext cx="1979217" cy="914399"/>
+          </a:xfrm>
+          <a:prstGeom prst="ellipse">
+            <a:avLst/>
+          </a:prstGeom>
+        </p:spPr>
+        <p:style>
+          <a:lnRef idx="2">
+            <a:schemeClr val="accent1">
+              <a:shade val="50000"/>
+            </a:schemeClr>
+          </a:lnRef>
+          <a:fillRef idx="1">
+            <a:schemeClr val="accent1"/>
+          </a:fillRef>
+          <a:effectRef idx="0">
+            <a:schemeClr val="accent1"/>
+          </a:effectRef>
+          <a:fontRef idx="minor">
+            <a:schemeClr val="lt1"/>
+          </a:fontRef>
+        </p:style>
+        <p:txBody>
+          <a:bodyPr rtlCol="0" anchor="ctr"/>
+          <a:lstStyle/>
+          <a:p>
+            <a:pPr algn="ctr"/>
+            <a:r>
+              <a:rPr lang="en-US" dirty="0" smtClean="0"/>
+              <a:t>Exit </a:t>
+            </a:r>
+            <a:r>
+              <a:rPr lang="en-US" dirty="0"/>
+              <a:t>Execution</a:t>
+            </a:r>
+            <a:endParaRPr lang="en-US" dirty="0"/>
+          </a:p>
+        </p:txBody>
+      </p:sp>
+      <p:cxnSp>
+        <p:nvCxnSpPr>
+          <p:cNvPr id="25" name="24 Conector angular"/>
+          <p:cNvCxnSpPr>
+            <a:stCxn id="9" idx="1"/>
+            <a:endCxn id="22" idx="0"/>
+          </p:cNvCxnSpPr>
+          <p:nvPr/>
+        </p:nvCxnSpPr>
+        <p:spPr>
+          <a:xfrm rot="10800000" flipH="1" flipV="1">
+            <a:off x="1447799" y="1943100"/>
+            <a:ext cx="181099" cy="1562100"/>
+          </a:xfrm>
+          <a:prstGeom prst="bentConnector4">
+            <a:avLst>
+              <a:gd name="adj1" fmla="val -126229"/>
+              <a:gd name="adj2" fmla="val 63415"/>
+            </a:avLst>
+          </a:prstGeom>
+          <a:ln>
+            <a:tailEnd type="arrow"/>
+          </a:ln>
+        </p:spPr>
+        <p:style>
+          <a:lnRef idx="1">
+            <a:schemeClr val="accent1"/>
+          </a:lnRef>
+          <a:fillRef idx="0">
+            <a:schemeClr val="accent1"/>
+          </a:fillRef>
+          <a:effectRef idx="0">
+            <a:schemeClr val="accent1"/>
+          </a:effectRef>
+          <a:fontRef idx="minor">
+            <a:schemeClr val="tx1"/>
+          </a:fontRef>
+        </p:style>
+      </p:cxnSp>
+      <p:cxnSp>
+        <p:nvCxnSpPr>
+          <p:cNvPr id="28" name="27 Conector recto de flecha"/>
+          <p:cNvCxnSpPr>
+            <a:stCxn id="16" idx="2"/>
+            <a:endCxn id="23" idx="0"/>
+          </p:cNvCxnSpPr>
+          <p:nvPr/>
+        </p:nvCxnSpPr>
+        <p:spPr>
+          <a:xfrm>
+            <a:off x="7400308" y="1514104"/>
+            <a:ext cx="1" cy="1876797"/>
+          </a:xfrm>
+          <a:prstGeom prst="straightConnector1">
+            <a:avLst/>
+          </a:prstGeom>
+          <a:ln>
+            <a:tailEnd type="arrow"/>
+          </a:ln>
+        </p:spPr>
+        <p:style>
+          <a:lnRef idx="1">
+            <a:schemeClr val="accent1"/>
+          </a:lnRef>
+          <a:fillRef idx="0">
+            <a:schemeClr val="accent1"/>
+          </a:fillRef>
+          <a:effectRef idx="0">
+            <a:schemeClr val="accent1"/>
+          </a:effectRef>
+          <a:fontRef idx="minor">
+            <a:schemeClr val="tx1"/>
+          </a:fontRef>
+        </p:style>
+      </p:cxnSp>
+      <p:cxnSp>
+        <p:nvCxnSpPr>
+          <p:cNvPr id="30" name="29 Conector recto de flecha"/>
+          <p:cNvCxnSpPr>
+            <a:stCxn id="22" idx="3"/>
+            <a:endCxn id="23" idx="2"/>
+          </p:cNvCxnSpPr>
+          <p:nvPr/>
+        </p:nvCxnSpPr>
+        <p:spPr>
+          <a:xfrm>
+            <a:off x="2425473" y="3848100"/>
+            <a:ext cx="3985227" cy="1"/>
+          </a:xfrm>
+          <a:prstGeom prst="straightConnector1">
+            <a:avLst/>
+          </a:prstGeom>
+          <a:ln>
+            <a:tailEnd type="arrow"/>
+          </a:ln>
+        </p:spPr>
+        <p:style>
+          <a:lnRef idx="1">
+            <a:schemeClr val="accent1"/>
+          </a:lnRef>
+          <a:fillRef idx="0">
+            <a:schemeClr val="accent1"/>
+          </a:fillRef>
+          <a:effectRef idx="0">
+            <a:schemeClr val="accent1"/>
+          </a:effectRef>
+          <a:fontRef idx="minor">
+            <a:schemeClr val="tx1"/>
+          </a:fontRef>
+        </p:style>
+      </p:cxnSp>
+      <p:sp>
+        <p:nvSpPr>
+          <p:cNvPr id="35" name="34 Título"/>
           <p:cNvSpPr>
             <a:spLocks noGrp="1"/>
           </p:cNvSpPr>
@@ -8900,31 +9572,21 @@
             <p:ph type="title"/>
           </p:nvPr>
         </p:nvSpPr>
-        <p:spPr/>
+        <p:spPr>
+          <a:xfrm>
+            <a:off x="209550" y="4800600"/>
+            <a:ext cx="3608614" cy="1143000"/>
+          </a:xfrm>
+        </p:spPr>
         <p:txBody>
           <a:bodyPr/>
           <a:lstStyle/>
           <a:p>
+            <a:r>
+              <a:rPr lang="en-US" dirty="0" smtClean="0"/>
+              <a:t>Script Runner</a:t>
+            </a:r>
             <a:endParaRPr lang="en-US" dirty="0"/>
-          </a:p>
-        </p:txBody>
-      </p:sp>
-      <p:sp>
-        <p:nvSpPr>
-          <p:cNvPr id="3" name="2 Marcador de contenido"/>
-          <p:cNvSpPr>
-            <a:spLocks noGrp="1"/>
-          </p:cNvSpPr>
-          <p:nvPr>
-            <p:ph idx="1"/>
-          </p:nvPr>
-        </p:nvSpPr>
-        <p:spPr/>
-        <p:txBody>
-          <a:bodyPr/>
-          <a:lstStyle/>
-          <a:p>
-            <a:endParaRPr lang="en-US"/>
           </a:p>
         </p:txBody>
       </p:sp>
